--- a/manuscript/images/resources/Mob Programming Guidebook Cover.pptx
+++ b/manuscript/images/resources/Mob Programming Guidebook Cover.pptx
@@ -5,8 +5,8 @@
     <p:sldMasterId id="2147483648" r:id="rId1"/>
   </p:sldMasterIdLst>
   <p:sldIdLst>
-    <p:sldId id="256" r:id="rId2"/>
-    <p:sldId id="257" r:id="rId3"/>
+    <p:sldId id="257" r:id="rId2"/>
+    <p:sldId id="258" r:id="rId3"/>
   </p:sldIdLst>
   <p:sldSz cx="3886200" cy="6281738"/>
   <p:notesSz cx="6858000" cy="9144000"/>
@@ -289,7 +289,7 @@
           <a:p>
             <a:fld id="{F82B980A-C0E7-9D4C-BEC6-1F58685E2A63}" type="datetimeFigureOut">
               <a:rPr lang="en-US" smtClean="0"/>
-              <a:t>10/20/15</a:t>
+              <a:t>10/24/15</a:t>
             </a:fld>
             <a:endParaRPr lang="en-US"/>
           </a:p>
@@ -459,7 +459,7 @@
           <a:p>
             <a:fld id="{F82B980A-C0E7-9D4C-BEC6-1F58685E2A63}" type="datetimeFigureOut">
               <a:rPr lang="en-US" smtClean="0"/>
-              <a:t>10/20/15</a:t>
+              <a:t>10/24/15</a:t>
             </a:fld>
             <a:endParaRPr lang="en-US"/>
           </a:p>
@@ -639,7 +639,7 @@
           <a:p>
             <a:fld id="{F82B980A-C0E7-9D4C-BEC6-1F58685E2A63}" type="datetimeFigureOut">
               <a:rPr lang="en-US" smtClean="0"/>
-              <a:t>10/20/15</a:t>
+              <a:t>10/24/15</a:t>
             </a:fld>
             <a:endParaRPr lang="en-US"/>
           </a:p>
@@ -809,7 +809,7 @@
           <a:p>
             <a:fld id="{F82B980A-C0E7-9D4C-BEC6-1F58685E2A63}" type="datetimeFigureOut">
               <a:rPr lang="en-US" smtClean="0"/>
-              <a:t>10/20/15</a:t>
+              <a:t>10/24/15</a:t>
             </a:fld>
             <a:endParaRPr lang="en-US"/>
           </a:p>
@@ -1055,7 +1055,7 @@
           <a:p>
             <a:fld id="{F82B980A-C0E7-9D4C-BEC6-1F58685E2A63}" type="datetimeFigureOut">
               <a:rPr lang="en-US" smtClean="0"/>
-              <a:t>10/20/15</a:t>
+              <a:t>10/24/15</a:t>
             </a:fld>
             <a:endParaRPr lang="en-US"/>
           </a:p>
@@ -1343,7 +1343,7 @@
           <a:p>
             <a:fld id="{F82B980A-C0E7-9D4C-BEC6-1F58685E2A63}" type="datetimeFigureOut">
               <a:rPr lang="en-US" smtClean="0"/>
-              <a:t>10/20/15</a:t>
+              <a:t>10/24/15</a:t>
             </a:fld>
             <a:endParaRPr lang="en-US"/>
           </a:p>
@@ -1765,7 +1765,7 @@
           <a:p>
             <a:fld id="{F82B980A-C0E7-9D4C-BEC6-1F58685E2A63}" type="datetimeFigureOut">
               <a:rPr lang="en-US" smtClean="0"/>
-              <a:t>10/20/15</a:t>
+              <a:t>10/24/15</a:t>
             </a:fld>
             <a:endParaRPr lang="en-US"/>
           </a:p>
@@ -1883,7 +1883,7 @@
           <a:p>
             <a:fld id="{F82B980A-C0E7-9D4C-BEC6-1F58685E2A63}" type="datetimeFigureOut">
               <a:rPr lang="en-US" smtClean="0"/>
-              <a:t>10/20/15</a:t>
+              <a:t>10/24/15</a:t>
             </a:fld>
             <a:endParaRPr lang="en-US"/>
           </a:p>
@@ -1978,7 +1978,7 @@
           <a:p>
             <a:fld id="{F82B980A-C0E7-9D4C-BEC6-1F58685E2A63}" type="datetimeFigureOut">
               <a:rPr lang="en-US" smtClean="0"/>
-              <a:t>10/20/15</a:t>
+              <a:t>10/24/15</a:t>
             </a:fld>
             <a:endParaRPr lang="en-US"/>
           </a:p>
@@ -2255,7 +2255,7 @@
           <a:p>
             <a:fld id="{F82B980A-C0E7-9D4C-BEC6-1F58685E2A63}" type="datetimeFigureOut">
               <a:rPr lang="en-US" smtClean="0"/>
-              <a:t>10/20/15</a:t>
+              <a:t>10/24/15</a:t>
             </a:fld>
             <a:endParaRPr lang="en-US"/>
           </a:p>
@@ -2508,7 +2508,7 @@
           <a:p>
             <a:fld id="{F82B980A-C0E7-9D4C-BEC6-1F58685E2A63}" type="datetimeFigureOut">
               <a:rPr lang="en-US" smtClean="0"/>
-              <a:t>10/20/15</a:t>
+              <a:t>10/24/15</a:t>
             </a:fld>
             <a:endParaRPr lang="en-US"/>
           </a:p>
@@ -2721,7 +2721,7 @@
           <a:p>
             <a:fld id="{F82B980A-C0E7-9D4C-BEC6-1F58685E2A63}" type="datetimeFigureOut">
               <a:rPr lang="en-US" smtClean="0"/>
-              <a:t>10/20/15</a:t>
+              <a:t>10/24/15</a:t>
             </a:fld>
             <a:endParaRPr lang="en-US"/>
           </a:p>
@@ -3080,116 +3080,6 @@
 </file>
 
 <file path=ppt/slides/slide1.xml><?xml version="1.0" encoding="utf-8"?>
-<p:sld xmlns:a="http://schemas.openxmlformats.org/drawingml/2006/main" xmlns:r="http://schemas.openxmlformats.org/officeDocument/2006/relationships" xmlns:p="http://schemas.openxmlformats.org/presentationml/2006/main" show="0">
-  <p:cSld>
-    <p:spTree>
-      <p:nvGrpSpPr>
-        <p:cNvPr id="1" name=""/>
-        <p:cNvGrpSpPr/>
-        <p:nvPr/>
-      </p:nvGrpSpPr>
-      <p:grpSpPr>
-        <a:xfrm>
-          <a:off x="0" y="0"/>
-          <a:ext cx="0" cy="0"/>
-          <a:chOff x="0" y="0"/>
-          <a:chExt cx="0" cy="0"/>
-        </a:xfrm>
-      </p:grpSpPr>
-      <p:pic>
-        <p:nvPicPr>
-          <p:cNvPr id="5" name="Picture 4" descr="MobProgrammingGuidebook - Cover.png"/>
-          <p:cNvPicPr>
-            <a:picLocks noChangeAspect="1"/>
-          </p:cNvPicPr>
-          <p:nvPr/>
-        </p:nvPicPr>
-        <p:blipFill>
-          <a:blip r:embed="rId2">
-            <a:extLst>
-              <a:ext uri="{28A0092B-C50C-407E-A947-70E740481C1C}">
-                <a14:useLocalDpi xmlns:a14="http://schemas.microsoft.com/office/drawing/2010/main" val="0"/>
-              </a:ext>
-            </a:extLst>
-          </a:blip>
-          <a:stretch>
-            <a:fillRect/>
-          </a:stretch>
-        </p:blipFill>
-        <p:spPr>
-          <a:xfrm>
-            <a:off x="0" y="1794452"/>
-            <a:ext cx="3886200" cy="4487285"/>
-          </a:xfrm>
-          <a:prstGeom prst="rect">
-            <a:avLst/>
-          </a:prstGeom>
-        </p:spPr>
-      </p:pic>
-      <p:sp>
-        <p:nvSpPr>
-          <p:cNvPr id="6" name="TextBox 5"/>
-          <p:cNvSpPr txBox="1"/>
-          <p:nvPr/>
-        </p:nvSpPr>
-        <p:spPr>
-          <a:xfrm>
-            <a:off x="1058409" y="616556"/>
-            <a:ext cx="1263518" cy="600164"/>
-          </a:xfrm>
-          <a:prstGeom prst="rect">
-            <a:avLst/>
-          </a:prstGeom>
-          <a:noFill/>
-        </p:spPr>
-        <p:txBody>
-          <a:bodyPr wrap="none" rtlCol="0">
-            <a:spAutoFit/>
-          </a:bodyPr>
-          <a:lstStyle/>
-          <a:p>
-            <a:r>
-              <a:rPr lang="en-US" dirty="0" smtClean="0"/>
-              <a:t>The</a:t>
-            </a:r>
-          </a:p>
-          <a:p>
-            <a:r>
-              <a:rPr lang="en-US" dirty="0" smtClean="0"/>
-              <a:t>Mob Programming</a:t>
-            </a:r>
-          </a:p>
-          <a:p>
-            <a:r>
-              <a:rPr lang="en-US" dirty="0" smtClean="0"/>
-              <a:t>Guidebook</a:t>
-            </a:r>
-            <a:endParaRPr lang="en-US" dirty="0"/>
-          </a:p>
-        </p:txBody>
-      </p:sp>
-    </p:spTree>
-    <p:extLst>
-      <p:ext uri="{BB962C8B-B14F-4D97-AF65-F5344CB8AC3E}">
-        <p14:creationId xmlns:p14="http://schemas.microsoft.com/office/powerpoint/2010/main" val="3409015115"/>
-      </p:ext>
-    </p:extLst>
-  </p:cSld>
-  <p:clrMapOvr>
-    <a:masterClrMapping/>
-  </p:clrMapOvr>
-  <mc:AlternateContent xmlns:mc="http://schemas.openxmlformats.org/markup-compatibility/2006">
-    <mc:Choice xmlns:p14="http://schemas.microsoft.com/office/powerpoint/2010/main" Requires="p14">
-      <p:transition spd="slow" p14:dur="2000"/>
-    </mc:Choice>
-    <mc:Fallback>
-      <p:transition xmlns:p14="http://schemas.microsoft.com/office/powerpoint/2010/main" spd="slow"/>
-    </mc:Fallback>
-  </mc:AlternateContent>
-</p:sld>
-</file>
-
-<file path=ppt/slides/slide2.xml><?xml version="1.0" encoding="utf-8"?>
 <p:sld xmlns:a="http://schemas.openxmlformats.org/drawingml/2006/main" xmlns:r="http://schemas.openxmlformats.org/officeDocument/2006/relationships" xmlns:p="http://schemas.openxmlformats.org/presentationml/2006/main">
   <p:cSld>
     <p:spTree>
@@ -3319,14 +3209,7 @@
                 <a:latin typeface="Arial Black"/>
                 <a:cs typeface="Arial Black"/>
               </a:rPr>
-              <a:t>Mob </a:t>
-            </a:r>
-            <a:r>
-              <a:rPr lang="en-US" sz="2000" dirty="0" smtClean="0">
-                <a:latin typeface="Arial Black"/>
-                <a:cs typeface="Arial Black"/>
-              </a:rPr>
-              <a:t>Programming</a:t>
+              <a:t>Mob Programming</a:t>
             </a:r>
           </a:p>
           <a:p>
@@ -3462,6 +3345,308 @@
     <p:extLst>
       <p:ext uri="{BB962C8B-B14F-4D97-AF65-F5344CB8AC3E}">
         <p14:creationId xmlns:p14="http://schemas.microsoft.com/office/powerpoint/2010/main" val="3557260715"/>
+      </p:ext>
+    </p:extLst>
+  </p:cSld>
+  <p:clrMapOvr>
+    <a:masterClrMapping/>
+  </p:clrMapOvr>
+</p:sld>
+</file>
+
+<file path=ppt/slides/slide2.xml><?xml version="1.0" encoding="utf-8"?>
+<p:sld xmlns:a="http://schemas.openxmlformats.org/drawingml/2006/main" xmlns:r="http://schemas.openxmlformats.org/officeDocument/2006/relationships" xmlns:p="http://schemas.openxmlformats.org/presentationml/2006/main">
+  <p:cSld>
+    <p:spTree>
+      <p:nvGrpSpPr>
+        <p:cNvPr id="1" name=""/>
+        <p:cNvGrpSpPr/>
+        <p:nvPr/>
+      </p:nvGrpSpPr>
+      <p:grpSpPr>
+        <a:xfrm>
+          <a:off x="0" y="0"/>
+          <a:ext cx="0" cy="0"/>
+          <a:chOff x="0" y="0"/>
+          <a:chExt cx="0" cy="0"/>
+        </a:xfrm>
+      </p:grpSpPr>
+      <p:pic>
+        <p:nvPicPr>
+          <p:cNvPr id="9" name="Picture 8"/>
+          <p:cNvPicPr>
+            <a:picLocks noChangeAspect="1"/>
+          </p:cNvPicPr>
+          <p:nvPr/>
+        </p:nvPicPr>
+        <p:blipFill>
+          <a:blip r:embed="rId2"/>
+          <a:stretch>
+            <a:fillRect/>
+          </a:stretch>
+        </p:blipFill>
+        <p:spPr>
+          <a:xfrm>
+            <a:off x="0" y="2161"/>
+            <a:ext cx="3886200" cy="4588889"/>
+          </a:xfrm>
+          <a:prstGeom prst="rect">
+            <a:avLst/>
+          </a:prstGeom>
+        </p:spPr>
+      </p:pic>
+      <p:pic>
+        <p:nvPicPr>
+          <p:cNvPr id="7" name="Picture 6" descr="Mob Drawing - Color.png"/>
+          <p:cNvPicPr>
+            <a:picLocks noChangeAspect="1"/>
+          </p:cNvPicPr>
+          <p:nvPr/>
+        </p:nvPicPr>
+        <p:blipFill>
+          <a:blip r:embed="rId3">
+            <a:extLst>
+              <a:ext uri="{28A0092B-C50C-407E-A947-70E740481C1C}">
+                <a14:useLocalDpi xmlns:a14="http://schemas.microsoft.com/office/drawing/2010/main" val="0"/>
+              </a:ext>
+            </a:extLst>
+          </a:blip>
+          <a:stretch>
+            <a:fillRect/>
+          </a:stretch>
+        </p:blipFill>
+        <p:spPr>
+          <a:xfrm>
+            <a:off x="0" y="2161"/>
+            <a:ext cx="3882276" cy="6281738"/>
+          </a:xfrm>
+          <a:prstGeom prst="rect">
+            <a:avLst/>
+          </a:prstGeom>
+        </p:spPr>
+      </p:pic>
+      <p:sp>
+        <p:nvSpPr>
+          <p:cNvPr id="4" name="Rectangle 3"/>
+          <p:cNvSpPr/>
+          <p:nvPr/>
+        </p:nvSpPr>
+        <p:spPr>
+          <a:xfrm>
+            <a:off x="541588" y="311915"/>
+            <a:ext cx="2773112" cy="1685954"/>
+          </a:xfrm>
+          <a:prstGeom prst="rect">
+            <a:avLst/>
+          </a:prstGeom>
+          <a:solidFill>
+            <a:schemeClr val="bg1"/>
+          </a:solidFill>
+        </p:spPr>
+        <p:style>
+          <a:lnRef idx="2">
+            <a:schemeClr val="dk1"/>
+          </a:lnRef>
+          <a:fillRef idx="1">
+            <a:schemeClr val="lt1"/>
+          </a:fillRef>
+          <a:effectRef idx="0">
+            <a:schemeClr val="dk1"/>
+          </a:effectRef>
+          <a:fontRef idx="minor">
+            <a:schemeClr val="dk1"/>
+          </a:fontRef>
+        </p:style>
+        <p:txBody>
+          <a:bodyPr rtlCol="0" anchor="ctr"/>
+          <a:lstStyle/>
+          <a:p>
+            <a:pPr algn="ctr"/>
+            <a:endParaRPr lang="en-US"/>
+          </a:p>
+        </p:txBody>
+      </p:sp>
+      <p:sp>
+        <p:nvSpPr>
+          <p:cNvPr id="6" name="Rectangle 5"/>
+          <p:cNvSpPr/>
+          <p:nvPr/>
+        </p:nvSpPr>
+        <p:spPr>
+          <a:xfrm>
+            <a:off x="233810" y="5943185"/>
+            <a:ext cx="3475221" cy="338554"/>
+          </a:xfrm>
+          <a:prstGeom prst="rect">
+            <a:avLst/>
+          </a:prstGeom>
+          <a:solidFill>
+            <a:srgbClr val="FFFFFF">
+              <a:alpha val="61000"/>
+            </a:srgbClr>
+          </a:solidFill>
+          <a:ln>
+            <a:noFill/>
+          </a:ln>
+        </p:spPr>
+        <p:style>
+          <a:lnRef idx="2">
+            <a:schemeClr val="dk1"/>
+          </a:lnRef>
+          <a:fillRef idx="1">
+            <a:schemeClr val="lt1"/>
+          </a:fillRef>
+          <a:effectRef idx="0">
+            <a:schemeClr val="dk1"/>
+          </a:effectRef>
+          <a:fontRef idx="minor">
+            <a:schemeClr val="dk1"/>
+          </a:fontRef>
+        </p:style>
+        <p:txBody>
+          <a:bodyPr rtlCol="0" anchor="ctr"/>
+          <a:lstStyle/>
+          <a:p>
+            <a:pPr algn="ctr"/>
+            <a:endParaRPr lang="en-US"/>
+          </a:p>
+        </p:txBody>
+      </p:sp>
+      <p:sp>
+        <p:nvSpPr>
+          <p:cNvPr id="3" name="Rectangle 2"/>
+          <p:cNvSpPr/>
+          <p:nvPr/>
+        </p:nvSpPr>
+        <p:spPr>
+          <a:xfrm>
+            <a:off x="541588" y="648363"/>
+            <a:ext cx="2795492" cy="1015663"/>
+          </a:xfrm>
+          <a:prstGeom prst="rect">
+            <a:avLst/>
+          </a:prstGeom>
+          <a:effectLst/>
+        </p:spPr>
+        <p:txBody>
+          <a:bodyPr wrap="square">
+            <a:spAutoFit/>
+          </a:bodyPr>
+          <a:lstStyle/>
+          <a:p>
+            <a:pPr algn="ctr"/>
+            <a:r>
+              <a:rPr lang="en-US" sz="2000" dirty="0" smtClean="0">
+                <a:latin typeface="Arial Black"/>
+                <a:cs typeface="Arial Black"/>
+              </a:rPr>
+              <a:t>The </a:t>
+            </a:r>
+          </a:p>
+          <a:p>
+            <a:pPr algn="ctr"/>
+            <a:r>
+              <a:rPr lang="en-US" sz="2000" dirty="0" smtClean="0">
+                <a:latin typeface="Arial Black"/>
+                <a:cs typeface="Arial Black"/>
+              </a:rPr>
+              <a:t>Mob Programming</a:t>
+            </a:r>
+          </a:p>
+          <a:p>
+            <a:pPr algn="ctr"/>
+            <a:r>
+              <a:rPr lang="en-US" sz="2000" dirty="0" smtClean="0">
+                <a:latin typeface="Arial Black"/>
+                <a:cs typeface="Arial Black"/>
+              </a:rPr>
+              <a:t>Guidebook</a:t>
+            </a:r>
+            <a:endParaRPr lang="en-US" sz="2000" dirty="0">
+              <a:latin typeface="Arial Black"/>
+              <a:cs typeface="Arial Black"/>
+            </a:endParaRPr>
+          </a:p>
+        </p:txBody>
+      </p:sp>
+      <p:sp>
+        <p:nvSpPr>
+          <p:cNvPr id="5" name="Rectangle 4"/>
+          <p:cNvSpPr/>
+          <p:nvPr/>
+        </p:nvSpPr>
+        <p:spPr>
+          <a:xfrm>
+            <a:off x="135065" y="5943184"/>
+            <a:ext cx="3643318" cy="338554"/>
+          </a:xfrm>
+          <a:prstGeom prst="rect">
+            <a:avLst/>
+          </a:prstGeom>
+        </p:spPr>
+        <p:txBody>
+          <a:bodyPr wrap="none">
+            <a:spAutoFit/>
+          </a:bodyPr>
+          <a:lstStyle/>
+          <a:p>
+            <a:pPr algn="ctr"/>
+            <a:r>
+              <a:rPr lang="en-US" sz="1600" b="1" dirty="0" smtClean="0">
+                <a:solidFill>
+                  <a:schemeClr val="tx1">
+                    <a:lumMod val="85000"/>
+                    <a:lumOff val="15000"/>
+                  </a:schemeClr>
+                </a:solidFill>
+                <a:latin typeface="Arial"/>
+                <a:cs typeface="Arial"/>
+              </a:rPr>
+              <a:t>Llewellyn Falco &amp; Maaret </a:t>
+            </a:r>
+            <a:r>
+              <a:rPr lang="en-US" sz="1600" b="1" dirty="0">
+                <a:solidFill>
+                  <a:schemeClr val="tx1">
+                    <a:lumMod val="85000"/>
+                    <a:lumOff val="15000"/>
+                  </a:schemeClr>
+                </a:solidFill>
+                <a:latin typeface="Arial"/>
+                <a:cs typeface="Arial"/>
+              </a:rPr>
+              <a:t>P</a:t>
+            </a:r>
+            <a:r>
+              <a:rPr lang="en-US" sz="1600" b="1" dirty="0" smtClean="0">
+                <a:solidFill>
+                  <a:schemeClr val="tx1">
+                    <a:lumMod val="85000"/>
+                    <a:lumOff val="15000"/>
+                  </a:schemeClr>
+                </a:solidFill>
+                <a:latin typeface="Arial"/>
+                <a:cs typeface="Arial"/>
+              </a:rPr>
+              <a:t>yhäjärvi </a:t>
+            </a:r>
+            <a:endParaRPr lang="en-US" sz="1600" b="1" dirty="0">
+              <a:solidFill>
+                <a:schemeClr val="tx1">
+                  <a:lumMod val="85000"/>
+                  <a:lumOff val="15000"/>
+                </a:schemeClr>
+              </a:solidFill>
+              <a:latin typeface="Arial"/>
+              <a:cs typeface="Arial"/>
+            </a:endParaRPr>
+          </a:p>
+        </p:txBody>
+      </p:sp>
+    </p:spTree>
+    <p:extLst>
+      <p:ext uri="{BB962C8B-B14F-4D97-AF65-F5344CB8AC3E}">
+        <p14:creationId xmlns:p14="http://schemas.microsoft.com/office/powerpoint/2010/main" val="4268117972"/>
       </p:ext>
     </p:extLst>
   </p:cSld>

--- a/manuscript/images/resources/Mob Programming Guidebook Cover.pptx
+++ b/manuscript/images/resources/Mob Programming Guidebook Cover.pptx
@@ -7,6 +7,8 @@
   <p:sldIdLst>
     <p:sldId id="257" r:id="rId2"/>
     <p:sldId id="258" r:id="rId3"/>
+    <p:sldId id="260" r:id="rId4"/>
+    <p:sldId id="259" r:id="rId5"/>
   </p:sldIdLst>
   <p:sldSz cx="3886200" cy="6281738"/>
   <p:notesSz cx="6858000" cy="9144000"/>
@@ -3647,6 +3649,988 @@
     <p:extLst>
       <p:ext uri="{BB962C8B-B14F-4D97-AF65-F5344CB8AC3E}">
         <p14:creationId xmlns:p14="http://schemas.microsoft.com/office/powerpoint/2010/main" val="4268117972"/>
+      </p:ext>
+    </p:extLst>
+  </p:cSld>
+  <p:clrMapOvr>
+    <a:masterClrMapping/>
+  </p:clrMapOvr>
+</p:sld>
+</file>
+
+<file path=ppt/slides/slide3.xml><?xml version="1.0" encoding="utf-8"?>
+<p:sld xmlns:a="http://schemas.openxmlformats.org/drawingml/2006/main" xmlns:r="http://schemas.openxmlformats.org/officeDocument/2006/relationships" xmlns:p="http://schemas.openxmlformats.org/presentationml/2006/main">
+  <p:cSld>
+    <p:spTree>
+      <p:nvGrpSpPr>
+        <p:cNvPr id="1" name=""/>
+        <p:cNvGrpSpPr/>
+        <p:nvPr/>
+      </p:nvGrpSpPr>
+      <p:grpSpPr>
+        <a:xfrm>
+          <a:off x="0" y="0"/>
+          <a:ext cx="0" cy="0"/>
+          <a:chOff x="0" y="0"/>
+          <a:chExt cx="0" cy="0"/>
+        </a:xfrm>
+      </p:grpSpPr>
+      <p:sp>
+        <p:nvSpPr>
+          <p:cNvPr id="6" name="Rectangle 5"/>
+          <p:cNvSpPr/>
+          <p:nvPr/>
+        </p:nvSpPr>
+        <p:spPr>
+          <a:xfrm>
+            <a:off x="205490" y="2288360"/>
+            <a:ext cx="1674730" cy="3275249"/>
+          </a:xfrm>
+          <a:prstGeom prst="rect">
+            <a:avLst/>
+          </a:prstGeom>
+          <a:solidFill>
+            <a:srgbClr val="FFFFFF">
+              <a:alpha val="61000"/>
+            </a:srgbClr>
+          </a:solidFill>
+          <a:ln>
+            <a:noFill/>
+          </a:ln>
+        </p:spPr>
+        <p:style>
+          <a:lnRef idx="2">
+            <a:schemeClr val="dk1"/>
+          </a:lnRef>
+          <a:fillRef idx="1">
+            <a:schemeClr val="lt1"/>
+          </a:fillRef>
+          <a:effectRef idx="0">
+            <a:schemeClr val="dk1"/>
+          </a:effectRef>
+          <a:fontRef idx="minor">
+            <a:schemeClr val="dk1"/>
+          </a:fontRef>
+        </p:style>
+        <p:txBody>
+          <a:bodyPr rtlCol="0" anchor="t"/>
+          <a:lstStyle/>
+          <a:p>
+            <a:pPr algn="just"/>
+            <a:r>
+              <a:rPr lang="en-US" dirty="0" smtClean="0">
+                <a:latin typeface="Abadi MT Condensed Light"/>
+                <a:cs typeface="Abadi MT Condensed Light"/>
+              </a:rPr>
+              <a:t>Maaret Pyhäjärvi is a tester extraordinaire specializing in breaking illusions about software through means of exploratory testing. She is a software specialist with soft spots for hands-on testing, helping teams grow and building successful products and businesses. She’s been working with software since 1995 in various roles and delivers talks as popular speaker in Finland as well as internationally. She works as a tester at </a:t>
+            </a:r>
+            <a:r>
+              <a:rPr lang="en-US" dirty="0" err="1" smtClean="0">
+                <a:latin typeface="Abadi MT Condensed Light"/>
+                <a:cs typeface="Abadi MT Condensed Light"/>
+              </a:rPr>
+              <a:t>Granlund</a:t>
+            </a:r>
+            <a:r>
+              <a:rPr lang="en-US" dirty="0" smtClean="0">
+                <a:latin typeface="Abadi MT Condensed Light"/>
+                <a:cs typeface="Abadi MT Condensed Light"/>
+              </a:rPr>
+              <a:t> and trains testing on the side through </a:t>
+            </a:r>
+            <a:r>
+              <a:rPr lang="en-US" dirty="0" err="1" smtClean="0">
+                <a:latin typeface="Abadi MT Condensed Light"/>
+                <a:cs typeface="Abadi MT Condensed Light"/>
+              </a:rPr>
+              <a:t>Altom</a:t>
+            </a:r>
+            <a:endParaRPr lang="en-US" dirty="0">
+              <a:latin typeface="Abadi MT Condensed Light"/>
+              <a:cs typeface="Abadi MT Condensed Light"/>
+            </a:endParaRPr>
+          </a:p>
+        </p:txBody>
+      </p:sp>
+      <p:pic>
+        <p:nvPicPr>
+          <p:cNvPr id="18" name="Picture 17" descr="divider-37709_640.png"/>
+          <p:cNvPicPr>
+            <a:picLocks noChangeAspect="1"/>
+          </p:cNvPicPr>
+          <p:nvPr/>
+        </p:nvPicPr>
+        <p:blipFill>
+          <a:blip r:embed="rId2">
+            <a:extLst>
+              <a:ext uri="{28A0092B-C50C-407E-A947-70E740481C1C}">
+                <a14:useLocalDpi xmlns:a14="http://schemas.microsoft.com/office/drawing/2010/main" val="0"/>
+              </a:ext>
+            </a:extLst>
+          </a:blip>
+          <a:stretch>
+            <a:fillRect/>
+          </a:stretch>
+        </p:blipFill>
+        <p:spPr>
+          <a:xfrm rot="16200000">
+            <a:off x="859616" y="3138324"/>
+            <a:ext cx="2166969" cy="467042"/>
+          </a:xfrm>
+          <a:prstGeom prst="rect">
+            <a:avLst/>
+          </a:prstGeom>
+        </p:spPr>
+      </p:pic>
+      <p:pic>
+        <p:nvPicPr>
+          <p:cNvPr id="3" name="Picture 2" descr="maaret-082015.jpg"/>
+          <p:cNvPicPr>
+            <a:picLocks noChangeAspect="1"/>
+          </p:cNvPicPr>
+          <p:nvPr/>
+        </p:nvPicPr>
+        <p:blipFill rotWithShape="1">
+          <a:blip r:embed="rId3">
+            <a:extLst>
+              <a:ext uri="{28A0092B-C50C-407E-A947-70E740481C1C}">
+                <a14:useLocalDpi xmlns:a14="http://schemas.microsoft.com/office/drawing/2010/main" val="0"/>
+              </a:ext>
+            </a:extLst>
+          </a:blip>
+          <a:srcRect t="4332" b="15584"/>
+          <a:stretch/>
+        </p:blipFill>
+        <p:spPr>
+          <a:xfrm>
+            <a:off x="465096" y="775167"/>
+            <a:ext cx="1016000" cy="1017063"/>
+          </a:xfrm>
+          <a:prstGeom prst="ellipse">
+            <a:avLst/>
+          </a:prstGeom>
+          <a:ln w="12700" cap="rnd" cmpd="sng">
+            <a:solidFill>
+              <a:srgbClr val="333333"/>
+            </a:solidFill>
+          </a:ln>
+          <a:effectLst>
+            <a:outerShdw blurRad="381000" dist="292100" dir="5400000" sx="-80000" sy="-18000" rotWithShape="0">
+              <a:srgbClr val="000000">
+                <a:alpha val="22000"/>
+              </a:srgbClr>
+            </a:outerShdw>
+          </a:effectLst>
+          <a:scene3d>
+            <a:camera prst="orthographicFront"/>
+            <a:lightRig rig="contrasting" dir="t">
+              <a:rot lat="0" lon="0" rev="3000000"/>
+            </a:lightRig>
+          </a:scene3d>
+          <a:sp3d contourW="7620">
+            <a:bevelT w="95250" h="31750"/>
+            <a:contourClr>
+              <a:srgbClr val="333333"/>
+            </a:contourClr>
+          </a:sp3d>
+        </p:spPr>
+      </p:pic>
+      <p:pic>
+        <p:nvPicPr>
+          <p:cNvPr id="5" name="Picture 4" descr="Llewellyn_Falco_-_Headshot_-_Large.jpg"/>
+          <p:cNvPicPr>
+            <a:picLocks noChangeAspect="1"/>
+          </p:cNvPicPr>
+          <p:nvPr/>
+        </p:nvPicPr>
+        <p:blipFill>
+          <a:blip r:embed="rId4">
+            <a:extLst>
+              <a:ext uri="{28A0092B-C50C-407E-A947-70E740481C1C}">
+                <a14:useLocalDpi xmlns:a14="http://schemas.microsoft.com/office/drawing/2010/main" val="0"/>
+              </a:ext>
+            </a:extLst>
+          </a:blip>
+          <a:stretch>
+            <a:fillRect/>
+          </a:stretch>
+        </p:blipFill>
+        <p:spPr>
+          <a:xfrm>
+            <a:off x="2346214" y="775167"/>
+            <a:ext cx="1048519" cy="1017063"/>
+          </a:xfrm>
+          <a:prstGeom prst="ellipse">
+            <a:avLst/>
+          </a:prstGeom>
+          <a:ln w="12700" cap="rnd" cmpd="sng">
+            <a:solidFill>
+              <a:srgbClr val="333333"/>
+            </a:solidFill>
+          </a:ln>
+          <a:effectLst>
+            <a:outerShdw blurRad="381000" dist="292100" dir="5400000" sx="-80000" sy="-18000" rotWithShape="0">
+              <a:srgbClr val="000000">
+                <a:alpha val="22000"/>
+              </a:srgbClr>
+            </a:outerShdw>
+          </a:effectLst>
+          <a:scene3d>
+            <a:camera prst="orthographicFront"/>
+            <a:lightRig rig="contrasting" dir="t">
+              <a:rot lat="0" lon="0" rev="3000000"/>
+            </a:lightRig>
+          </a:scene3d>
+          <a:sp3d contourW="7620">
+            <a:bevelT w="95250" h="31750"/>
+            <a:contourClr>
+              <a:srgbClr val="333333"/>
+            </a:contourClr>
+          </a:sp3d>
+        </p:spPr>
+      </p:pic>
+      <p:sp>
+        <p:nvSpPr>
+          <p:cNvPr id="7" name="Rectangle 6"/>
+          <p:cNvSpPr/>
+          <p:nvPr/>
+        </p:nvSpPr>
+        <p:spPr>
+          <a:xfrm>
+            <a:off x="426529" y="1882253"/>
+            <a:ext cx="1163919" cy="261610"/>
+          </a:xfrm>
+          <a:prstGeom prst="rect">
+            <a:avLst/>
+          </a:prstGeom>
+        </p:spPr>
+        <p:txBody>
+          <a:bodyPr wrap="none">
+            <a:spAutoFit/>
+          </a:bodyPr>
+          <a:lstStyle/>
+          <a:p>
+            <a:pPr algn="ctr"/>
+            <a:r>
+              <a:rPr lang="en-US" dirty="0"/>
+              <a:t>Maaret Pyhäjärvi</a:t>
+            </a:r>
+            <a:endParaRPr lang="en-US" dirty="0"/>
+          </a:p>
+        </p:txBody>
+      </p:sp>
+      <p:sp>
+        <p:nvSpPr>
+          <p:cNvPr id="17" name="Rectangle 16"/>
+          <p:cNvSpPr/>
+          <p:nvPr/>
+        </p:nvSpPr>
+        <p:spPr>
+          <a:xfrm>
+            <a:off x="2032620" y="2288360"/>
+            <a:ext cx="1674730" cy="3275249"/>
+          </a:xfrm>
+          <a:prstGeom prst="rect">
+            <a:avLst/>
+          </a:prstGeom>
+          <a:solidFill>
+            <a:srgbClr val="FFFFFF">
+              <a:alpha val="61000"/>
+            </a:srgbClr>
+          </a:solidFill>
+          <a:ln>
+            <a:noFill/>
+          </a:ln>
+        </p:spPr>
+        <p:style>
+          <a:lnRef idx="2">
+            <a:schemeClr val="dk1"/>
+          </a:lnRef>
+          <a:fillRef idx="1">
+            <a:schemeClr val="lt1"/>
+          </a:fillRef>
+          <a:effectRef idx="0">
+            <a:schemeClr val="dk1"/>
+          </a:effectRef>
+          <a:fontRef idx="minor">
+            <a:schemeClr val="dk1"/>
+          </a:fontRef>
+        </p:style>
+        <p:txBody>
+          <a:bodyPr rtlCol="0" anchor="t"/>
+          <a:lstStyle/>
+          <a:p>
+            <a:pPr algn="just"/>
+            <a:r>
+              <a:rPr lang="en-US" dirty="0">
+                <a:latin typeface="Abadi MT Condensed Light"/>
+                <a:cs typeface="Abadi MT Condensed Light"/>
+              </a:rPr>
+              <a:t>Llewellyn Falco is an Agile Technical Coach specializing in Legacy Code and Test Driven Development.  He is the creator of the open source testing tool </a:t>
+            </a:r>
+            <a:r>
+              <a:rPr lang="en-US" dirty="0" smtClean="0">
+                <a:latin typeface="Abadi MT Condensed Light"/>
+                <a:cs typeface="Abadi MT Condensed Light"/>
+              </a:rPr>
+              <a:t>ApprovalTests, discoverer of Strong-style pairing, and the co-founder </a:t>
+            </a:r>
+            <a:r>
+              <a:rPr lang="en-US" dirty="0">
+                <a:latin typeface="Abadi MT Condensed Light"/>
+                <a:cs typeface="Abadi MT Condensed Light"/>
+              </a:rPr>
+              <a:t>of </a:t>
+            </a:r>
+            <a:r>
+              <a:rPr lang="en-US" dirty="0" smtClean="0">
+                <a:latin typeface="Abadi MT Condensed Light"/>
+                <a:cs typeface="Abadi MT Condensed Light"/>
+              </a:rPr>
+              <a:t>“Teaching Kids Programing”</a:t>
+            </a:r>
+          </a:p>
+          <a:p>
+            <a:pPr algn="just"/>
+            <a:r>
+              <a:rPr lang="en-US" dirty="0">
+                <a:latin typeface="Abadi MT Condensed Light"/>
+                <a:cs typeface="Abadi MT Condensed Light"/>
+              </a:rPr>
+              <a:t> </a:t>
+            </a:r>
+            <a:r>
+              <a:rPr lang="en-US" dirty="0" smtClean="0">
+                <a:latin typeface="Abadi MT Condensed Light"/>
+                <a:cs typeface="Abadi MT Condensed Light"/>
+              </a:rPr>
+              <a:t>He has been using mob programming for teaching and coaching since 2010.</a:t>
+            </a:r>
+            <a:endParaRPr lang="en-US" dirty="0">
+              <a:latin typeface="Abadi MT Condensed Light"/>
+              <a:cs typeface="Abadi MT Condensed Light"/>
+            </a:endParaRPr>
+          </a:p>
+        </p:txBody>
+      </p:sp>
+      <p:sp>
+        <p:nvSpPr>
+          <p:cNvPr id="19" name="Rectangle 18"/>
+          <p:cNvSpPr/>
+          <p:nvPr/>
+        </p:nvSpPr>
+        <p:spPr>
+          <a:xfrm>
+            <a:off x="2287296" y="1879740"/>
+            <a:ext cx="1050957" cy="261610"/>
+          </a:xfrm>
+          <a:prstGeom prst="rect">
+            <a:avLst/>
+          </a:prstGeom>
+        </p:spPr>
+        <p:txBody>
+          <a:bodyPr wrap="none">
+            <a:spAutoFit/>
+          </a:bodyPr>
+          <a:lstStyle/>
+          <a:p>
+            <a:pPr algn="ctr"/>
+            <a:r>
+              <a:rPr lang="en-US" dirty="0" smtClean="0"/>
+              <a:t>Llewellyn Falco</a:t>
+            </a:r>
+            <a:endParaRPr lang="en-US" dirty="0"/>
+          </a:p>
+        </p:txBody>
+      </p:sp>
+      <p:sp>
+        <p:nvSpPr>
+          <p:cNvPr id="20" name="Rectangle 19"/>
+          <p:cNvSpPr/>
+          <p:nvPr/>
+        </p:nvSpPr>
+        <p:spPr>
+          <a:xfrm>
+            <a:off x="1263584" y="330385"/>
+            <a:ext cx="1233280" cy="261610"/>
+          </a:xfrm>
+          <a:prstGeom prst="rect">
+            <a:avLst/>
+          </a:prstGeom>
+        </p:spPr>
+        <p:txBody>
+          <a:bodyPr wrap="none">
+            <a:spAutoFit/>
+          </a:bodyPr>
+          <a:lstStyle/>
+          <a:p>
+            <a:pPr algn="ctr"/>
+            <a:r>
+              <a:rPr lang="en-US" dirty="0" smtClean="0"/>
+              <a:t>About the authors</a:t>
+            </a:r>
+            <a:endParaRPr lang="en-US" dirty="0"/>
+          </a:p>
+        </p:txBody>
+      </p:sp>
+    </p:spTree>
+    <p:extLst>
+      <p:ext uri="{BB962C8B-B14F-4D97-AF65-F5344CB8AC3E}">
+        <p14:creationId xmlns:p14="http://schemas.microsoft.com/office/powerpoint/2010/main" val="3380108205"/>
+      </p:ext>
+    </p:extLst>
+  </p:cSld>
+  <p:clrMapOvr>
+    <a:masterClrMapping/>
+  </p:clrMapOvr>
+</p:sld>
+</file>
+
+<file path=ppt/slides/slide4.xml><?xml version="1.0" encoding="utf-8"?>
+<p:sld xmlns:a="http://schemas.openxmlformats.org/drawingml/2006/main" xmlns:r="http://schemas.openxmlformats.org/officeDocument/2006/relationships" xmlns:p="http://schemas.openxmlformats.org/presentationml/2006/main">
+  <p:cSld>
+    <p:spTree>
+      <p:nvGrpSpPr>
+        <p:cNvPr id="1" name=""/>
+        <p:cNvGrpSpPr/>
+        <p:nvPr/>
+      </p:nvGrpSpPr>
+      <p:grpSpPr>
+        <a:xfrm>
+          <a:off x="0" y="0"/>
+          <a:ext cx="0" cy="0"/>
+          <a:chOff x="0" y="0"/>
+          <a:chExt cx="0" cy="0"/>
+        </a:xfrm>
+      </p:grpSpPr>
+      <p:pic>
+        <p:nvPicPr>
+          <p:cNvPr id="9" name="Picture 8"/>
+          <p:cNvPicPr>
+            <a:picLocks noChangeAspect="1"/>
+          </p:cNvPicPr>
+          <p:nvPr/>
+        </p:nvPicPr>
+        <p:blipFill>
+          <a:blip r:embed="rId2"/>
+          <a:stretch>
+            <a:fillRect/>
+          </a:stretch>
+        </p:blipFill>
+        <p:spPr>
+          <a:xfrm>
+            <a:off x="0" y="-3337"/>
+            <a:ext cx="3886200" cy="6285075"/>
+          </a:xfrm>
+          <a:prstGeom prst="rect">
+            <a:avLst/>
+          </a:prstGeom>
+        </p:spPr>
+      </p:pic>
+      <p:sp>
+        <p:nvSpPr>
+          <p:cNvPr id="6" name="Rectangle 5"/>
+          <p:cNvSpPr/>
+          <p:nvPr/>
+        </p:nvSpPr>
+        <p:spPr>
+          <a:xfrm>
+            <a:off x="205490" y="3138324"/>
+            <a:ext cx="3475221" cy="2991541"/>
+          </a:xfrm>
+          <a:prstGeom prst="rect">
+            <a:avLst/>
+          </a:prstGeom>
+          <a:solidFill>
+            <a:srgbClr val="FFFFFF">
+              <a:alpha val="61000"/>
+            </a:srgbClr>
+          </a:solidFill>
+          <a:ln>
+            <a:noFill/>
+          </a:ln>
+        </p:spPr>
+        <p:style>
+          <a:lnRef idx="2">
+            <a:schemeClr val="dk1"/>
+          </a:lnRef>
+          <a:fillRef idx="1">
+            <a:schemeClr val="lt1"/>
+          </a:fillRef>
+          <a:effectRef idx="0">
+            <a:schemeClr val="dk1"/>
+          </a:effectRef>
+          <a:fontRef idx="minor">
+            <a:schemeClr val="dk1"/>
+          </a:fontRef>
+        </p:style>
+        <p:txBody>
+          <a:bodyPr rtlCol="0" anchor="ctr"/>
+          <a:lstStyle/>
+          <a:p>
+            <a:pPr algn="ctr"/>
+            <a:endParaRPr lang="en-US"/>
+          </a:p>
+        </p:txBody>
+      </p:sp>
+      <p:sp>
+        <p:nvSpPr>
+          <p:cNvPr id="2" name="TextBox 1"/>
+          <p:cNvSpPr txBox="1"/>
+          <p:nvPr/>
+        </p:nvSpPr>
+        <p:spPr>
+          <a:xfrm>
+            <a:off x="130956" y="2119481"/>
+            <a:ext cx="3684915" cy="430887"/>
+          </a:xfrm>
+          <a:prstGeom prst="rect">
+            <a:avLst/>
+          </a:prstGeom>
+          <a:noFill/>
+        </p:spPr>
+        <p:txBody>
+          <a:bodyPr wrap="square" rtlCol="0">
+            <a:spAutoFit/>
+          </a:bodyPr>
+          <a:lstStyle/>
+          <a:p>
+            <a:pPr algn="ctr"/>
+            <a:r>
+              <a:rPr lang="en-US" i="1" dirty="0" smtClean="0"/>
+              <a:t>All </a:t>
+            </a:r>
+            <a:r>
+              <a:rPr lang="en-US" i="1" dirty="0"/>
+              <a:t>the brilliant people, working on the same thing, at the same time, in the same space, and at the </a:t>
+            </a:r>
+            <a:r>
+              <a:rPr lang="en-US" b="1" i="1" dirty="0"/>
+              <a:t>same computer</a:t>
+            </a:r>
+            <a:r>
+              <a:rPr lang="en-US" i="1" dirty="0" smtClean="0"/>
+              <a:t>.</a:t>
+            </a:r>
+            <a:endParaRPr lang="en-US" i="1" dirty="0"/>
+          </a:p>
+        </p:txBody>
+      </p:sp>
+      <p:sp>
+        <p:nvSpPr>
+          <p:cNvPr id="4" name="Rectangle 3"/>
+          <p:cNvSpPr/>
+          <p:nvPr/>
+        </p:nvSpPr>
+        <p:spPr>
+          <a:xfrm>
+            <a:off x="541588" y="311915"/>
+            <a:ext cx="2773112" cy="1685954"/>
+          </a:xfrm>
+          <a:prstGeom prst="rect">
+            <a:avLst/>
+          </a:prstGeom>
+          <a:solidFill>
+            <a:schemeClr val="bg1">
+              <a:lumMod val="75000"/>
+            </a:schemeClr>
+          </a:solidFill>
+          <a:ln>
+            <a:noFill/>
+          </a:ln>
+        </p:spPr>
+        <p:style>
+          <a:lnRef idx="2">
+            <a:schemeClr val="dk1"/>
+          </a:lnRef>
+          <a:fillRef idx="1">
+            <a:schemeClr val="lt1"/>
+          </a:fillRef>
+          <a:effectRef idx="0">
+            <a:schemeClr val="dk1"/>
+          </a:effectRef>
+          <a:fontRef idx="minor">
+            <a:schemeClr val="dk1"/>
+          </a:fontRef>
+        </p:style>
+        <p:txBody>
+          <a:bodyPr rtlCol="0" anchor="ctr"/>
+          <a:lstStyle/>
+          <a:p>
+            <a:pPr algn="ctr"/>
+            <a:endParaRPr lang="en-US"/>
+          </a:p>
+        </p:txBody>
+      </p:sp>
+      <p:pic>
+        <p:nvPicPr>
+          <p:cNvPr id="10" name="Picture 9" descr="Mob Drawing - Color.png"/>
+          <p:cNvPicPr>
+            <a:picLocks noChangeAspect="1"/>
+          </p:cNvPicPr>
+          <p:nvPr/>
+        </p:nvPicPr>
+        <p:blipFill rotWithShape="1">
+          <a:blip r:embed="rId3">
+            <a:extLst>
+              <a:ext uri="{28A0092B-C50C-407E-A947-70E740481C1C}">
+                <a14:useLocalDpi xmlns:a14="http://schemas.microsoft.com/office/drawing/2010/main" val="0"/>
+              </a:ext>
+            </a:extLst>
+          </a:blip>
+          <a:srcRect l="-5524" t="31770" r="-101" b="9891"/>
+          <a:stretch/>
+        </p:blipFill>
+        <p:spPr>
+          <a:xfrm>
+            <a:off x="406831" y="311914"/>
+            <a:ext cx="2896874" cy="1685955"/>
+          </a:xfrm>
+          <a:prstGeom prst="rect">
+            <a:avLst/>
+          </a:prstGeom>
+        </p:spPr>
+      </p:pic>
+      <p:sp>
+        <p:nvSpPr>
+          <p:cNvPr id="13" name="Rectangle 12"/>
+          <p:cNvSpPr/>
+          <p:nvPr/>
+        </p:nvSpPr>
+        <p:spPr>
+          <a:xfrm>
+            <a:off x="1627325" y="304873"/>
+            <a:ext cx="903620" cy="403469"/>
+          </a:xfrm>
+          <a:prstGeom prst="rect">
+            <a:avLst/>
+          </a:prstGeom>
+          <a:solidFill>
+            <a:schemeClr val="bg1"/>
+          </a:solidFill>
+          <a:ln w="3175" cmpd="sng"/>
+        </p:spPr>
+        <p:style>
+          <a:lnRef idx="2">
+            <a:schemeClr val="dk1"/>
+          </a:lnRef>
+          <a:fillRef idx="1">
+            <a:schemeClr val="lt1"/>
+          </a:fillRef>
+          <a:effectRef idx="0">
+            <a:schemeClr val="dk1"/>
+          </a:effectRef>
+          <a:fontRef idx="minor">
+            <a:schemeClr val="dk1"/>
+          </a:fontRef>
+        </p:style>
+        <p:txBody>
+          <a:bodyPr rtlCol="0" anchor="ctr"/>
+          <a:lstStyle/>
+          <a:p>
+            <a:pPr algn="ctr"/>
+            <a:endParaRPr lang="en-US"/>
+          </a:p>
+        </p:txBody>
+      </p:sp>
+      <p:sp>
+        <p:nvSpPr>
+          <p:cNvPr id="11" name="Rectangle 10"/>
+          <p:cNvSpPr/>
+          <p:nvPr/>
+        </p:nvSpPr>
+        <p:spPr>
+          <a:xfrm>
+            <a:off x="556538" y="304873"/>
+            <a:ext cx="2773112" cy="1685954"/>
+          </a:xfrm>
+          <a:prstGeom prst="rect">
+            <a:avLst/>
+          </a:prstGeom>
+          <a:noFill/>
+        </p:spPr>
+        <p:style>
+          <a:lnRef idx="2">
+            <a:schemeClr val="dk1"/>
+          </a:lnRef>
+          <a:fillRef idx="1">
+            <a:schemeClr val="lt1"/>
+          </a:fillRef>
+          <a:effectRef idx="0">
+            <a:schemeClr val="dk1"/>
+          </a:effectRef>
+          <a:fontRef idx="minor">
+            <a:schemeClr val="dk1"/>
+          </a:fontRef>
+        </p:style>
+        <p:txBody>
+          <a:bodyPr rtlCol="0" anchor="ctr"/>
+          <a:lstStyle/>
+          <a:p>
+            <a:pPr algn="ctr"/>
+            <a:endParaRPr lang="en-US"/>
+          </a:p>
+        </p:txBody>
+      </p:sp>
+      <p:sp>
+        <p:nvSpPr>
+          <p:cNvPr id="12" name="TextBox 11"/>
+          <p:cNvSpPr txBox="1"/>
+          <p:nvPr/>
+        </p:nvSpPr>
+        <p:spPr>
+          <a:xfrm>
+            <a:off x="205490" y="3156175"/>
+            <a:ext cx="3475221" cy="3016210"/>
+          </a:xfrm>
+          <a:prstGeom prst="rect">
+            <a:avLst/>
+          </a:prstGeom>
+          <a:noFill/>
+        </p:spPr>
+        <p:txBody>
+          <a:bodyPr wrap="square" rtlCol="0">
+            <a:spAutoFit/>
+          </a:bodyPr>
+          <a:lstStyle/>
+          <a:p>
+            <a:r>
+              <a:rPr lang="en-US" sz="1000" dirty="0" smtClean="0"/>
+              <a:t>Mob Programming is a way to create hyper-productive fast learning teams. </a:t>
+            </a:r>
+            <a:r>
+              <a:rPr lang="en-US" sz="1000" dirty="0"/>
+              <a:t> </a:t>
+            </a:r>
+            <a:endParaRPr lang="en-US" sz="1000" dirty="0" smtClean="0"/>
+          </a:p>
+          <a:p>
+            <a:r>
+              <a:rPr lang="en-US" sz="1000" dirty="0" smtClean="0"/>
+              <a:t>Some of the benefits include:</a:t>
+            </a:r>
+          </a:p>
+          <a:p>
+            <a:endParaRPr lang="en-US" sz="1000" dirty="0"/>
+          </a:p>
+          <a:p>
+            <a:pPr marL="171450" indent="-171450">
+              <a:buFontTx/>
+              <a:buChar char="•"/>
+            </a:pPr>
+            <a:r>
+              <a:rPr lang="en-US" sz="1000" dirty="0" smtClean="0"/>
+              <a:t>Continuous learning</a:t>
+            </a:r>
+          </a:p>
+          <a:p>
+            <a:pPr marL="171450" indent="-171450">
+              <a:buFontTx/>
+              <a:buChar char="•"/>
+            </a:pPr>
+            <a:r>
+              <a:rPr lang="en-US" sz="1000" dirty="0" smtClean="0"/>
+              <a:t>Shared ownership</a:t>
+            </a:r>
+          </a:p>
+          <a:p>
+            <a:pPr marL="171450" indent="-171450">
+              <a:buFontTx/>
+              <a:buChar char="•"/>
+            </a:pPr>
+            <a:r>
+              <a:rPr lang="en-US" sz="1000" dirty="0" smtClean="0"/>
+              <a:t>Higher quality</a:t>
+            </a:r>
+          </a:p>
+          <a:p>
+            <a:pPr marL="171450" indent="-171450">
+              <a:buFontTx/>
+              <a:buChar char="•"/>
+            </a:pPr>
+            <a:r>
+              <a:rPr lang="en-US" sz="1000" dirty="0" smtClean="0"/>
+              <a:t>Higher communication</a:t>
+            </a:r>
+          </a:p>
+          <a:p>
+            <a:pPr marL="171450" indent="-171450">
+              <a:buFontTx/>
+              <a:buChar char="•"/>
+            </a:pPr>
+            <a:r>
+              <a:rPr lang="en-US" sz="1000" dirty="0" smtClean="0"/>
+              <a:t>Problems are discovered &amp; fixed immediately</a:t>
+            </a:r>
+          </a:p>
+          <a:p>
+            <a:pPr marL="171450" indent="-171450">
+              <a:buFontTx/>
+              <a:buChar char="•"/>
+            </a:pPr>
+            <a:r>
+              <a:rPr lang="en-US" sz="1000" dirty="0" smtClean="0"/>
+              <a:t>Lower technical debt</a:t>
+            </a:r>
+          </a:p>
+          <a:p>
+            <a:pPr marL="171450" indent="-171450">
+              <a:buFontTx/>
+              <a:buChar char="•"/>
+            </a:pPr>
+            <a:r>
+              <a:rPr lang="en-US" sz="1000" dirty="0" smtClean="0"/>
+              <a:t>Less meetings</a:t>
+            </a:r>
+          </a:p>
+          <a:p>
+            <a:pPr marL="171450" indent="-171450">
+              <a:buFontTx/>
+              <a:buChar char="•"/>
+            </a:pPr>
+            <a:r>
+              <a:rPr lang="en-US" sz="1000" dirty="0" smtClean="0"/>
+              <a:t>Happier teams</a:t>
+            </a:r>
+          </a:p>
+          <a:p>
+            <a:pPr marL="171450" indent="-171450">
+              <a:buFontTx/>
+              <a:buChar char="•"/>
+            </a:pPr>
+            <a:endParaRPr lang="en-US" sz="1000" dirty="0"/>
+          </a:p>
+          <a:p>
+            <a:r>
+              <a:rPr lang="en-US" sz="1000" dirty="0"/>
+              <a:t>This book outlines the step-by-step approach to introduce Mob Programming to new teams to avoid common mistakes. It lays the foundation for successful introduction to get your entire team working together, with everybody contributing and learning, and treating each other kindness, consideration and respect</a:t>
+            </a:r>
+            <a:r>
+              <a:rPr lang="en-US" sz="1000" dirty="0" smtClean="0"/>
+              <a:t>.</a:t>
+            </a:r>
+            <a:endParaRPr lang="en-US" dirty="0"/>
+          </a:p>
+        </p:txBody>
+      </p:sp>
+      <p:pic>
+        <p:nvPicPr>
+          <p:cNvPr id="14" name="Picture 13" descr="Screen Shot 2015-10-24 at 10.03.30 AM.png"/>
+          <p:cNvPicPr>
+            <a:picLocks noChangeAspect="1"/>
+          </p:cNvPicPr>
+          <p:nvPr/>
+        </p:nvPicPr>
+        <p:blipFill>
+          <a:blip r:embed="rId4">
+            <a:extLst>
+              <a:ext uri="{28A0092B-C50C-407E-A947-70E740481C1C}">
+                <a14:useLocalDpi xmlns:a14="http://schemas.microsoft.com/office/drawing/2010/main" val="0"/>
+              </a:ext>
+            </a:extLst>
+          </a:blip>
+          <a:stretch>
+            <a:fillRect/>
+          </a:stretch>
+        </p:blipFill>
+        <p:spPr>
+          <a:xfrm>
+            <a:off x="1649550" y="341888"/>
+            <a:ext cx="858700" cy="343847"/>
+          </a:xfrm>
+          <a:prstGeom prst="rect">
+            <a:avLst/>
+          </a:prstGeom>
+        </p:spPr>
+      </p:pic>
+      <p:sp>
+        <p:nvSpPr>
+          <p:cNvPr id="15" name="TextBox 14"/>
+          <p:cNvSpPr txBox="1"/>
+          <p:nvPr/>
+        </p:nvSpPr>
+        <p:spPr>
+          <a:xfrm>
+            <a:off x="95436" y="2635187"/>
+            <a:ext cx="3684915" cy="430887"/>
+          </a:xfrm>
+          <a:prstGeom prst="rect">
+            <a:avLst/>
+          </a:prstGeom>
+          <a:noFill/>
+        </p:spPr>
+        <p:txBody>
+          <a:bodyPr wrap="square" rtlCol="0">
+            <a:spAutoFit/>
+          </a:bodyPr>
+          <a:lstStyle/>
+          <a:p>
+            <a:pPr algn="ctr"/>
+            <a:r>
+              <a:rPr lang="en-US" i="1" dirty="0" smtClean="0"/>
+              <a:t>Mobbing is not about getting the </a:t>
+            </a:r>
+            <a:r>
+              <a:rPr lang="en-US" b="1" i="1" dirty="0" smtClean="0"/>
+              <a:t>Most </a:t>
+            </a:r>
+            <a:r>
+              <a:rPr lang="en-US" i="1" dirty="0" smtClean="0"/>
+              <a:t>from your team.</a:t>
+            </a:r>
+          </a:p>
+          <a:p>
+            <a:pPr algn="ctr"/>
+            <a:r>
+              <a:rPr lang="en-US" i="1" dirty="0" smtClean="0"/>
+              <a:t>It’s about getting the </a:t>
+            </a:r>
+            <a:r>
+              <a:rPr lang="en-US" b="1" i="1" dirty="0" smtClean="0"/>
+              <a:t>Best</a:t>
+            </a:r>
+            <a:r>
+              <a:rPr lang="en-US" i="1" dirty="0" smtClean="0"/>
+              <a:t> out of your team.</a:t>
+            </a:r>
+            <a:endParaRPr lang="en-US" i="1" dirty="0"/>
+          </a:p>
+        </p:txBody>
+      </p:sp>
+      <p:pic>
+        <p:nvPicPr>
+          <p:cNvPr id="18" name="Picture 17" descr="divider-37709_640.png"/>
+          <p:cNvPicPr>
+            <a:picLocks noChangeAspect="1"/>
+          </p:cNvPicPr>
+          <p:nvPr/>
+        </p:nvPicPr>
+        <p:blipFill>
+          <a:blip r:embed="rId5">
+            <a:extLst>
+              <a:ext uri="{28A0092B-C50C-407E-A947-70E740481C1C}">
+                <a14:useLocalDpi xmlns:a14="http://schemas.microsoft.com/office/drawing/2010/main" val="0"/>
+              </a:ext>
+            </a:extLst>
+          </a:blip>
+          <a:stretch>
+            <a:fillRect/>
+          </a:stretch>
+        </p:blipFill>
+        <p:spPr>
+          <a:xfrm>
+            <a:off x="859616" y="2373733"/>
+            <a:ext cx="2166969" cy="467042"/>
+          </a:xfrm>
+          <a:prstGeom prst="rect">
+            <a:avLst/>
+          </a:prstGeom>
+        </p:spPr>
+      </p:pic>
+    </p:spTree>
+    <p:extLst>
+      <p:ext uri="{BB962C8B-B14F-4D97-AF65-F5344CB8AC3E}">
+        <p14:creationId xmlns:p14="http://schemas.microsoft.com/office/powerpoint/2010/main" val="2149474817"/>
       </p:ext>
     </p:extLst>
   </p:cSld>

--- a/manuscript/images/resources/Mob Programming Guidebook Cover.pptx
+++ b/manuscript/images/resources/Mob Programming Guidebook Cover.pptx
@@ -3745,6 +3745,13 @@
               </a:rPr>
               <a:t>Altom</a:t>
             </a:r>
+            <a:r>
+              <a:rPr lang="en-US" smtClean="0">
+                <a:latin typeface="Abadi MT Condensed Light"/>
+                <a:cs typeface="Abadi MT Condensed Light"/>
+              </a:rPr>
+              <a:t>.</a:t>
+            </a:r>
             <a:endParaRPr lang="en-US" dirty="0">
               <a:latin typeface="Abadi MT Condensed Light"/>
               <a:cs typeface="Abadi MT Condensed Light"/>
@@ -3915,7 +3922,6 @@
               <a:rPr lang="en-US" dirty="0"/>
               <a:t>Maaret Pyhäjärvi</a:t>
             </a:r>
-            <a:endParaRPr lang="en-US" dirty="0"/>
           </a:p>
         </p:txBody>
       </p:sp>

--- a/manuscript/images/resources/Mob Programming Guidebook Cover.pptx
+++ b/manuscript/images/resources/Mob Programming Guidebook Cover.pptx
@@ -5,19 +5,18 @@
     <p:sldMasterId id="2147483648" r:id="rId1"/>
   </p:sldMasterIdLst>
   <p:sldIdLst>
-    <p:sldId id="257" r:id="rId2"/>
-    <p:sldId id="258" r:id="rId3"/>
-    <p:sldId id="260" r:id="rId4"/>
-    <p:sldId id="259" r:id="rId5"/>
+    <p:sldId id="258" r:id="rId2"/>
+    <p:sldId id="260" r:id="rId3"/>
+    <p:sldId id="259" r:id="rId4"/>
   </p:sldIdLst>
-  <p:sldSz cx="3886200" cy="6281738"/>
+  <p:sldSz cx="5029200" cy="7772400"/>
   <p:notesSz cx="6858000" cy="9144000"/>
   <p:defaultTextStyle>
     <a:defPPr>
       <a:defRPr lang="en-US"/>
     </a:defPPr>
-    <a:lvl1pPr marL="0" algn="l" defTabSz="290505" rtl="0" eaLnBrk="1" latinLnBrk="0" hangingPunct="1">
-      <a:defRPr sz="1100" kern="1200">
+    <a:lvl1pPr marL="0" algn="l" defTabSz="365746" rtl="0" eaLnBrk="1" latinLnBrk="0" hangingPunct="1">
+      <a:defRPr sz="1400" kern="1200">
         <a:solidFill>
           <a:schemeClr val="tx1"/>
         </a:solidFill>
@@ -26,8 +25,8 @@
         <a:cs typeface="+mn-cs"/>
       </a:defRPr>
     </a:lvl1pPr>
-    <a:lvl2pPr marL="290505" algn="l" defTabSz="290505" rtl="0" eaLnBrk="1" latinLnBrk="0" hangingPunct="1">
-      <a:defRPr sz="1100" kern="1200">
+    <a:lvl2pPr marL="365746" algn="l" defTabSz="365746" rtl="0" eaLnBrk="1" latinLnBrk="0" hangingPunct="1">
+      <a:defRPr sz="1400" kern="1200">
         <a:solidFill>
           <a:schemeClr val="tx1"/>
         </a:solidFill>
@@ -36,8 +35,8 @@
         <a:cs typeface="+mn-cs"/>
       </a:defRPr>
     </a:lvl2pPr>
-    <a:lvl3pPr marL="581010" algn="l" defTabSz="290505" rtl="0" eaLnBrk="1" latinLnBrk="0" hangingPunct="1">
-      <a:defRPr sz="1100" kern="1200">
+    <a:lvl3pPr marL="731492" algn="l" defTabSz="365746" rtl="0" eaLnBrk="1" latinLnBrk="0" hangingPunct="1">
+      <a:defRPr sz="1400" kern="1200">
         <a:solidFill>
           <a:schemeClr val="tx1"/>
         </a:solidFill>
@@ -46,8 +45,8 @@
         <a:cs typeface="+mn-cs"/>
       </a:defRPr>
     </a:lvl3pPr>
-    <a:lvl4pPr marL="871515" algn="l" defTabSz="290505" rtl="0" eaLnBrk="1" latinLnBrk="0" hangingPunct="1">
-      <a:defRPr sz="1100" kern="1200">
+    <a:lvl4pPr marL="1097237" algn="l" defTabSz="365746" rtl="0" eaLnBrk="1" latinLnBrk="0" hangingPunct="1">
+      <a:defRPr sz="1400" kern="1200">
         <a:solidFill>
           <a:schemeClr val="tx1"/>
         </a:solidFill>
@@ -56,8 +55,8 @@
         <a:cs typeface="+mn-cs"/>
       </a:defRPr>
     </a:lvl4pPr>
-    <a:lvl5pPr marL="1162020" algn="l" defTabSz="290505" rtl="0" eaLnBrk="1" latinLnBrk="0" hangingPunct="1">
-      <a:defRPr sz="1100" kern="1200">
+    <a:lvl5pPr marL="1462983" algn="l" defTabSz="365746" rtl="0" eaLnBrk="1" latinLnBrk="0" hangingPunct="1">
+      <a:defRPr sz="1400" kern="1200">
         <a:solidFill>
           <a:schemeClr val="tx1"/>
         </a:solidFill>
@@ -66,8 +65,8 @@
         <a:cs typeface="+mn-cs"/>
       </a:defRPr>
     </a:lvl5pPr>
-    <a:lvl6pPr marL="1452524" algn="l" defTabSz="290505" rtl="0" eaLnBrk="1" latinLnBrk="0" hangingPunct="1">
-      <a:defRPr sz="1100" kern="1200">
+    <a:lvl6pPr marL="1828728" algn="l" defTabSz="365746" rtl="0" eaLnBrk="1" latinLnBrk="0" hangingPunct="1">
+      <a:defRPr sz="1400" kern="1200">
         <a:solidFill>
           <a:schemeClr val="tx1"/>
         </a:solidFill>
@@ -76,8 +75,8 @@
         <a:cs typeface="+mn-cs"/>
       </a:defRPr>
     </a:lvl6pPr>
-    <a:lvl7pPr marL="1743029" algn="l" defTabSz="290505" rtl="0" eaLnBrk="1" latinLnBrk="0" hangingPunct="1">
-      <a:defRPr sz="1100" kern="1200">
+    <a:lvl7pPr marL="2194474" algn="l" defTabSz="365746" rtl="0" eaLnBrk="1" latinLnBrk="0" hangingPunct="1">
+      <a:defRPr sz="1400" kern="1200">
         <a:solidFill>
           <a:schemeClr val="tx1"/>
         </a:solidFill>
@@ -86,8 +85,8 @@
         <a:cs typeface="+mn-cs"/>
       </a:defRPr>
     </a:lvl7pPr>
-    <a:lvl8pPr marL="2033534" algn="l" defTabSz="290505" rtl="0" eaLnBrk="1" latinLnBrk="0" hangingPunct="1">
-      <a:defRPr sz="1100" kern="1200">
+    <a:lvl8pPr marL="2560219" algn="l" defTabSz="365746" rtl="0" eaLnBrk="1" latinLnBrk="0" hangingPunct="1">
+      <a:defRPr sz="1400" kern="1200">
         <a:solidFill>
           <a:schemeClr val="tx1"/>
         </a:solidFill>
@@ -96,8 +95,8 @@
         <a:cs typeface="+mn-cs"/>
       </a:defRPr>
     </a:lvl8pPr>
-    <a:lvl9pPr marL="2324039" algn="l" defTabSz="290505" rtl="0" eaLnBrk="1" latinLnBrk="0" hangingPunct="1">
-      <a:defRPr sz="1100" kern="1200">
+    <a:lvl9pPr marL="2925965" algn="l" defTabSz="365746" rtl="0" eaLnBrk="1" latinLnBrk="0" hangingPunct="1">
+      <a:defRPr sz="1400" kern="1200">
         <a:solidFill>
           <a:schemeClr val="tx1"/>
         </a:solidFill>
@@ -139,8 +138,8 @@
         </p:nvSpPr>
         <p:spPr>
           <a:xfrm>
-            <a:off x="291465" y="1951411"/>
-            <a:ext cx="3303270" cy="1346502"/>
+            <a:off x="377190" y="2414483"/>
+            <a:ext cx="4274820" cy="1666028"/>
           </a:xfrm>
         </p:spPr>
         <p:txBody>
@@ -167,8 +166,8 @@
         </p:nvSpPr>
         <p:spPr>
           <a:xfrm>
-            <a:off x="582930" y="3559652"/>
-            <a:ext cx="2720340" cy="1605333"/>
+            <a:off x="754380" y="4404361"/>
+            <a:ext cx="3520440" cy="1986280"/>
           </a:xfrm>
         </p:spPr>
         <p:txBody>
@@ -184,7 +183,7 @@
                 </a:solidFill>
               </a:defRPr>
             </a:lvl1pPr>
-            <a:lvl2pPr marL="290505" indent="0" algn="ctr">
+            <a:lvl2pPr marL="365746" indent="0" algn="ctr">
               <a:buNone/>
               <a:defRPr>
                 <a:solidFill>
@@ -194,7 +193,7 @@
                 </a:solidFill>
               </a:defRPr>
             </a:lvl2pPr>
-            <a:lvl3pPr marL="581010" indent="0" algn="ctr">
+            <a:lvl3pPr marL="731492" indent="0" algn="ctr">
               <a:buNone/>
               <a:defRPr>
                 <a:solidFill>
@@ -204,7 +203,7 @@
                 </a:solidFill>
               </a:defRPr>
             </a:lvl3pPr>
-            <a:lvl4pPr marL="871515" indent="0" algn="ctr">
+            <a:lvl4pPr marL="1097237" indent="0" algn="ctr">
               <a:buNone/>
               <a:defRPr>
                 <a:solidFill>
@@ -214,7 +213,7 @@
                 </a:solidFill>
               </a:defRPr>
             </a:lvl4pPr>
-            <a:lvl5pPr marL="1162020" indent="0" algn="ctr">
+            <a:lvl5pPr marL="1462983" indent="0" algn="ctr">
               <a:buNone/>
               <a:defRPr>
                 <a:solidFill>
@@ -224,7 +223,7 @@
                 </a:solidFill>
               </a:defRPr>
             </a:lvl5pPr>
-            <a:lvl6pPr marL="1452524" indent="0" algn="ctr">
+            <a:lvl6pPr marL="1828728" indent="0" algn="ctr">
               <a:buNone/>
               <a:defRPr>
                 <a:solidFill>
@@ -234,7 +233,7 @@
                 </a:solidFill>
               </a:defRPr>
             </a:lvl6pPr>
-            <a:lvl7pPr marL="1743029" indent="0" algn="ctr">
+            <a:lvl7pPr marL="2194474" indent="0" algn="ctr">
               <a:buNone/>
               <a:defRPr>
                 <a:solidFill>
@@ -244,7 +243,7 @@
                 </a:solidFill>
               </a:defRPr>
             </a:lvl7pPr>
-            <a:lvl8pPr marL="2033534" indent="0" algn="ctr">
+            <a:lvl8pPr marL="2560219" indent="0" algn="ctr">
               <a:buNone/>
               <a:defRPr>
                 <a:solidFill>
@@ -254,7 +253,7 @@
                 </a:solidFill>
               </a:defRPr>
             </a:lvl8pPr>
-            <a:lvl9pPr marL="2324039" indent="0" algn="ctr">
+            <a:lvl9pPr marL="2925965" indent="0" algn="ctr">
               <a:buNone/>
               <a:defRPr>
                 <a:solidFill>
@@ -291,7 +290,7 @@
           <a:p>
             <a:fld id="{F82B980A-C0E7-9D4C-BEC6-1F58685E2A63}" type="datetimeFigureOut">
               <a:rPr lang="en-US" smtClean="0"/>
-              <a:t>10/24/15</a:t>
+              <a:t>10/31/15</a:t>
             </a:fld>
             <a:endParaRPr lang="en-US"/>
           </a:p>
@@ -461,7 +460,7 @@
           <a:p>
             <a:fld id="{F82B980A-C0E7-9D4C-BEC6-1F58685E2A63}" type="datetimeFigureOut">
               <a:rPr lang="en-US" smtClean="0"/>
-              <a:t>10/24/15</a:t>
+              <a:t>10/31/15</a:t>
             </a:fld>
             <a:endParaRPr lang="en-US"/>
           </a:p>
@@ -551,8 +550,8 @@
         </p:nvSpPr>
         <p:spPr>
           <a:xfrm>
-            <a:off x="2817495" y="251561"/>
-            <a:ext cx="874395" cy="5359835"/>
+            <a:off x="3646171" y="311257"/>
+            <a:ext cx="1131570" cy="6631729"/>
           </a:xfrm>
         </p:spPr>
         <p:txBody>
@@ -579,8 +578,8 @@
         </p:nvSpPr>
         <p:spPr>
           <a:xfrm>
-            <a:off x="194310" y="251561"/>
-            <a:ext cx="2558415" cy="5359835"/>
+            <a:off x="251461" y="311257"/>
+            <a:ext cx="3310890" cy="6631729"/>
           </a:xfrm>
         </p:spPr>
         <p:txBody>
@@ -641,7 +640,7 @@
           <a:p>
             <a:fld id="{F82B980A-C0E7-9D4C-BEC6-1F58685E2A63}" type="datetimeFigureOut">
               <a:rPr lang="en-US" smtClean="0"/>
-              <a:t>10/24/15</a:t>
+              <a:t>10/31/15</a:t>
             </a:fld>
             <a:endParaRPr lang="en-US"/>
           </a:p>
@@ -811,7 +810,7 @@
           <a:p>
             <a:fld id="{F82B980A-C0E7-9D4C-BEC6-1F58685E2A63}" type="datetimeFigureOut">
               <a:rPr lang="en-US" smtClean="0"/>
-              <a:t>10/24/15</a:t>
+              <a:t>10/31/15</a:t>
             </a:fld>
             <a:endParaRPr lang="en-US"/>
           </a:p>
@@ -901,15 +900,15 @@
         </p:nvSpPr>
         <p:spPr>
           <a:xfrm>
-            <a:off x="306983" y="4036599"/>
-            <a:ext cx="3303270" cy="1247623"/>
+            <a:off x="397272" y="4994488"/>
+            <a:ext cx="4274820" cy="1543685"/>
           </a:xfrm>
         </p:spPr>
         <p:txBody>
           <a:bodyPr anchor="t"/>
           <a:lstStyle>
             <a:lvl1pPr algn="l">
-              <a:defRPr sz="2500" b="1" cap="all"/>
+              <a:defRPr sz="3100" b="1" cap="all"/>
             </a:lvl1pPr>
           </a:lstStyle>
           <a:p>
@@ -933,14 +932,34 @@
         </p:nvSpPr>
         <p:spPr>
           <a:xfrm>
-            <a:off x="306983" y="2662469"/>
-            <a:ext cx="3303270" cy="1374130"/>
+            <a:off x="397272" y="3294275"/>
+            <a:ext cx="4274820" cy="1700212"/>
           </a:xfrm>
         </p:spPr>
         <p:txBody>
           <a:bodyPr anchor="b"/>
           <a:lstStyle>
             <a:lvl1pPr marL="0" indent="0">
+              <a:buNone/>
+              <a:defRPr sz="1600">
+                <a:solidFill>
+                  <a:schemeClr val="tx1">
+                    <a:tint val="75000"/>
+                  </a:schemeClr>
+                </a:solidFill>
+              </a:defRPr>
+            </a:lvl1pPr>
+            <a:lvl2pPr marL="365746" indent="0">
+              <a:buNone/>
+              <a:defRPr sz="1400">
+                <a:solidFill>
+                  <a:schemeClr val="tx1">
+                    <a:tint val="75000"/>
+                  </a:schemeClr>
+                </a:solidFill>
+              </a:defRPr>
+            </a:lvl2pPr>
+            <a:lvl3pPr marL="731492" indent="0">
               <a:buNone/>
               <a:defRPr sz="1300">
                 <a:solidFill>
@@ -949,8 +968,8 @@
                   </a:schemeClr>
                 </a:solidFill>
               </a:defRPr>
-            </a:lvl1pPr>
-            <a:lvl2pPr marL="290505" indent="0">
+            </a:lvl3pPr>
+            <a:lvl4pPr marL="1097237" indent="0">
               <a:buNone/>
               <a:defRPr sz="1100">
                 <a:solidFill>
@@ -959,30 +978,10 @@
                   </a:schemeClr>
                 </a:solidFill>
               </a:defRPr>
-            </a:lvl2pPr>
-            <a:lvl3pPr marL="581010" indent="0">
-              <a:buNone/>
-              <a:defRPr sz="1000">
-                <a:solidFill>
-                  <a:schemeClr val="tx1">
-                    <a:tint val="75000"/>
-                  </a:schemeClr>
-                </a:solidFill>
-              </a:defRPr>
-            </a:lvl3pPr>
-            <a:lvl4pPr marL="871515" indent="0">
-              <a:buNone/>
-              <a:defRPr sz="900">
-                <a:solidFill>
-                  <a:schemeClr val="tx1">
-                    <a:tint val="75000"/>
-                  </a:schemeClr>
-                </a:solidFill>
-              </a:defRPr>
             </a:lvl4pPr>
-            <a:lvl5pPr marL="1162020" indent="0">
-              <a:buNone/>
-              <a:defRPr sz="900">
+            <a:lvl5pPr marL="1462983" indent="0">
+              <a:buNone/>
+              <a:defRPr sz="1100">
                 <a:solidFill>
                   <a:schemeClr val="tx1">
                     <a:tint val="75000"/>
@@ -990,9 +989,9 @@
                 </a:solidFill>
               </a:defRPr>
             </a:lvl5pPr>
-            <a:lvl6pPr marL="1452524" indent="0">
-              <a:buNone/>
-              <a:defRPr sz="900">
+            <a:lvl6pPr marL="1828728" indent="0">
+              <a:buNone/>
+              <a:defRPr sz="1100">
                 <a:solidFill>
                   <a:schemeClr val="tx1">
                     <a:tint val="75000"/>
@@ -1000,9 +999,9 @@
                 </a:solidFill>
               </a:defRPr>
             </a:lvl6pPr>
-            <a:lvl7pPr marL="1743029" indent="0">
-              <a:buNone/>
-              <a:defRPr sz="900">
+            <a:lvl7pPr marL="2194474" indent="0">
+              <a:buNone/>
+              <a:defRPr sz="1100">
                 <a:solidFill>
                   <a:schemeClr val="tx1">
                     <a:tint val="75000"/>
@@ -1010,9 +1009,9 @@
                 </a:solidFill>
               </a:defRPr>
             </a:lvl7pPr>
-            <a:lvl8pPr marL="2033534" indent="0">
-              <a:buNone/>
-              <a:defRPr sz="900">
+            <a:lvl8pPr marL="2560219" indent="0">
+              <a:buNone/>
+              <a:defRPr sz="1100">
                 <a:solidFill>
                   <a:schemeClr val="tx1">
                     <a:tint val="75000"/>
@@ -1020,9 +1019,9 @@
                 </a:solidFill>
               </a:defRPr>
             </a:lvl8pPr>
-            <a:lvl9pPr marL="2324039" indent="0">
-              <a:buNone/>
-              <a:defRPr sz="900">
+            <a:lvl9pPr marL="2925965" indent="0">
+              <a:buNone/>
+              <a:defRPr sz="1100">
                 <a:solidFill>
                   <a:schemeClr val="tx1">
                     <a:tint val="75000"/>
@@ -1057,7 +1056,7 @@
           <a:p>
             <a:fld id="{F82B980A-C0E7-9D4C-BEC6-1F58685E2A63}" type="datetimeFigureOut">
               <a:rPr lang="en-US" smtClean="0"/>
-              <a:t>10/24/15</a:t>
+              <a:t>10/31/15</a:t>
             </a:fld>
             <a:endParaRPr lang="en-US"/>
           </a:p>
@@ -1170,39 +1169,39 @@
         </p:nvSpPr>
         <p:spPr>
           <a:xfrm>
-            <a:off x="194310" y="1465739"/>
-            <a:ext cx="1716405" cy="4145657"/>
+            <a:off x="251461" y="1813561"/>
+            <a:ext cx="2221230" cy="5129425"/>
           </a:xfrm>
         </p:spPr>
         <p:txBody>
           <a:bodyPr/>
           <a:lstStyle>
             <a:lvl1pPr>
-              <a:defRPr sz="1800"/>
+              <a:defRPr sz="2300"/>
             </a:lvl1pPr>
             <a:lvl2pPr>
-              <a:defRPr sz="1500"/>
+              <a:defRPr sz="1900"/>
             </a:lvl2pPr>
             <a:lvl3pPr>
-              <a:defRPr sz="1300"/>
+              <a:defRPr sz="1600"/>
             </a:lvl3pPr>
             <a:lvl4pPr>
-              <a:defRPr sz="1100"/>
+              <a:defRPr sz="1400"/>
             </a:lvl4pPr>
             <a:lvl5pPr>
-              <a:defRPr sz="1100"/>
+              <a:defRPr sz="1400"/>
             </a:lvl5pPr>
             <a:lvl6pPr>
-              <a:defRPr sz="1100"/>
+              <a:defRPr sz="1400"/>
             </a:lvl6pPr>
             <a:lvl7pPr>
-              <a:defRPr sz="1100"/>
+              <a:defRPr sz="1400"/>
             </a:lvl7pPr>
             <a:lvl8pPr>
-              <a:defRPr sz="1100"/>
+              <a:defRPr sz="1400"/>
             </a:lvl8pPr>
             <a:lvl9pPr>
-              <a:defRPr sz="1100"/>
+              <a:defRPr sz="1400"/>
             </a:lvl9pPr>
           </a:lstStyle>
           <a:p>
@@ -1255,39 +1254,39 @@
         </p:nvSpPr>
         <p:spPr>
           <a:xfrm>
-            <a:off x="1975485" y="1465739"/>
-            <a:ext cx="1716405" cy="4145657"/>
+            <a:off x="2556511" y="1813561"/>
+            <a:ext cx="2221230" cy="5129425"/>
           </a:xfrm>
         </p:spPr>
         <p:txBody>
           <a:bodyPr/>
           <a:lstStyle>
             <a:lvl1pPr>
-              <a:defRPr sz="1800"/>
+              <a:defRPr sz="2300"/>
             </a:lvl1pPr>
             <a:lvl2pPr>
-              <a:defRPr sz="1500"/>
+              <a:defRPr sz="1900"/>
             </a:lvl2pPr>
             <a:lvl3pPr>
-              <a:defRPr sz="1300"/>
+              <a:defRPr sz="1600"/>
             </a:lvl3pPr>
             <a:lvl4pPr>
-              <a:defRPr sz="1100"/>
+              <a:defRPr sz="1400"/>
             </a:lvl4pPr>
             <a:lvl5pPr>
-              <a:defRPr sz="1100"/>
+              <a:defRPr sz="1400"/>
             </a:lvl5pPr>
             <a:lvl6pPr>
-              <a:defRPr sz="1100"/>
+              <a:defRPr sz="1400"/>
             </a:lvl6pPr>
             <a:lvl7pPr>
-              <a:defRPr sz="1100"/>
+              <a:defRPr sz="1400"/>
             </a:lvl7pPr>
             <a:lvl8pPr>
-              <a:defRPr sz="1100"/>
+              <a:defRPr sz="1400"/>
             </a:lvl8pPr>
             <a:lvl9pPr>
-              <a:defRPr sz="1100"/>
+              <a:defRPr sz="1400"/>
             </a:lvl9pPr>
           </a:lstStyle>
           <a:p>
@@ -1345,7 +1344,7 @@
           <a:p>
             <a:fld id="{F82B980A-C0E7-9D4C-BEC6-1F58685E2A63}" type="datetimeFigureOut">
               <a:rPr lang="en-US" smtClean="0"/>
-              <a:t>10/24/15</a:t>
+              <a:t>10/31/15</a:t>
             </a:fld>
             <a:endParaRPr lang="en-US"/>
           </a:p>
@@ -1462,8 +1461,8 @@
         </p:nvSpPr>
         <p:spPr>
           <a:xfrm>
-            <a:off x="194310" y="1406121"/>
-            <a:ext cx="1717080" cy="586004"/>
+            <a:off x="251460" y="1739795"/>
+            <a:ext cx="2222104" cy="725063"/>
           </a:xfrm>
         </p:spPr>
         <p:txBody>
@@ -1471,39 +1470,39 @@
           <a:lstStyle>
             <a:lvl1pPr marL="0" indent="0">
               <a:buNone/>
-              <a:defRPr sz="1500" b="1"/>
+              <a:defRPr sz="1900" b="1"/>
             </a:lvl1pPr>
-            <a:lvl2pPr marL="290505" indent="0">
+            <a:lvl2pPr marL="365746" indent="0">
+              <a:buNone/>
+              <a:defRPr sz="1600" b="1"/>
+            </a:lvl2pPr>
+            <a:lvl3pPr marL="731492" indent="0">
+              <a:buNone/>
+              <a:defRPr sz="1400" b="1"/>
+            </a:lvl3pPr>
+            <a:lvl4pPr marL="1097237" indent="0">
               <a:buNone/>
               <a:defRPr sz="1300" b="1"/>
-            </a:lvl2pPr>
-            <a:lvl3pPr marL="581010" indent="0">
-              <a:buNone/>
-              <a:defRPr sz="1100" b="1"/>
-            </a:lvl3pPr>
-            <a:lvl4pPr marL="871515" indent="0">
-              <a:buNone/>
-              <a:defRPr sz="1000" b="1"/>
             </a:lvl4pPr>
-            <a:lvl5pPr marL="1162020" indent="0">
-              <a:buNone/>
-              <a:defRPr sz="1000" b="1"/>
+            <a:lvl5pPr marL="1462983" indent="0">
+              <a:buNone/>
+              <a:defRPr sz="1300" b="1"/>
             </a:lvl5pPr>
-            <a:lvl6pPr marL="1452524" indent="0">
-              <a:buNone/>
-              <a:defRPr sz="1000" b="1"/>
+            <a:lvl6pPr marL="1828728" indent="0">
+              <a:buNone/>
+              <a:defRPr sz="1300" b="1"/>
             </a:lvl6pPr>
-            <a:lvl7pPr marL="1743029" indent="0">
-              <a:buNone/>
-              <a:defRPr sz="1000" b="1"/>
+            <a:lvl7pPr marL="2194474" indent="0">
+              <a:buNone/>
+              <a:defRPr sz="1300" b="1"/>
             </a:lvl7pPr>
-            <a:lvl8pPr marL="2033534" indent="0">
-              <a:buNone/>
-              <a:defRPr sz="1000" b="1"/>
+            <a:lvl8pPr marL="2560219" indent="0">
+              <a:buNone/>
+              <a:defRPr sz="1300" b="1"/>
             </a:lvl8pPr>
-            <a:lvl9pPr marL="2324039" indent="0">
-              <a:buNone/>
-              <a:defRPr sz="1000" b="1"/>
+            <a:lvl9pPr marL="2925965" indent="0">
+              <a:buNone/>
+              <a:defRPr sz="1300" b="1"/>
             </a:lvl9pPr>
           </a:lstStyle>
           <a:p>
@@ -1527,39 +1526,39 @@
         </p:nvSpPr>
         <p:spPr>
           <a:xfrm>
-            <a:off x="194310" y="1992125"/>
-            <a:ext cx="1717080" cy="3619270"/>
+            <a:off x="251460" y="2464858"/>
+            <a:ext cx="2222104" cy="4478126"/>
           </a:xfrm>
         </p:spPr>
         <p:txBody>
           <a:bodyPr/>
           <a:lstStyle>
             <a:lvl1pPr>
-              <a:defRPr sz="1500"/>
+              <a:defRPr sz="1900"/>
             </a:lvl1pPr>
             <a:lvl2pPr>
-              <a:defRPr sz="1300"/>
+              <a:defRPr sz="1600"/>
             </a:lvl2pPr>
             <a:lvl3pPr>
-              <a:defRPr sz="1100"/>
+              <a:defRPr sz="1400"/>
             </a:lvl3pPr>
             <a:lvl4pPr>
-              <a:defRPr sz="1000"/>
+              <a:defRPr sz="1300"/>
             </a:lvl4pPr>
             <a:lvl5pPr>
-              <a:defRPr sz="1000"/>
+              <a:defRPr sz="1300"/>
             </a:lvl5pPr>
             <a:lvl6pPr>
-              <a:defRPr sz="1000"/>
+              <a:defRPr sz="1300"/>
             </a:lvl6pPr>
             <a:lvl7pPr>
-              <a:defRPr sz="1000"/>
+              <a:defRPr sz="1300"/>
             </a:lvl7pPr>
             <a:lvl8pPr>
-              <a:defRPr sz="1000"/>
+              <a:defRPr sz="1300"/>
             </a:lvl8pPr>
             <a:lvl9pPr>
-              <a:defRPr sz="1000"/>
+              <a:defRPr sz="1300"/>
             </a:lvl9pPr>
           </a:lstStyle>
           <a:p>
@@ -1612,8 +1611,8 @@
         </p:nvSpPr>
         <p:spPr>
           <a:xfrm>
-            <a:off x="1974136" y="1406121"/>
-            <a:ext cx="1717754" cy="586004"/>
+            <a:off x="2554764" y="1739795"/>
+            <a:ext cx="2222976" cy="725063"/>
           </a:xfrm>
         </p:spPr>
         <p:txBody>
@@ -1621,39 +1620,39 @@
           <a:lstStyle>
             <a:lvl1pPr marL="0" indent="0">
               <a:buNone/>
-              <a:defRPr sz="1500" b="1"/>
+              <a:defRPr sz="1900" b="1"/>
             </a:lvl1pPr>
-            <a:lvl2pPr marL="290505" indent="0">
+            <a:lvl2pPr marL="365746" indent="0">
+              <a:buNone/>
+              <a:defRPr sz="1600" b="1"/>
+            </a:lvl2pPr>
+            <a:lvl3pPr marL="731492" indent="0">
+              <a:buNone/>
+              <a:defRPr sz="1400" b="1"/>
+            </a:lvl3pPr>
+            <a:lvl4pPr marL="1097237" indent="0">
               <a:buNone/>
               <a:defRPr sz="1300" b="1"/>
-            </a:lvl2pPr>
-            <a:lvl3pPr marL="581010" indent="0">
-              <a:buNone/>
-              <a:defRPr sz="1100" b="1"/>
-            </a:lvl3pPr>
-            <a:lvl4pPr marL="871515" indent="0">
-              <a:buNone/>
-              <a:defRPr sz="1000" b="1"/>
             </a:lvl4pPr>
-            <a:lvl5pPr marL="1162020" indent="0">
-              <a:buNone/>
-              <a:defRPr sz="1000" b="1"/>
+            <a:lvl5pPr marL="1462983" indent="0">
+              <a:buNone/>
+              <a:defRPr sz="1300" b="1"/>
             </a:lvl5pPr>
-            <a:lvl6pPr marL="1452524" indent="0">
-              <a:buNone/>
-              <a:defRPr sz="1000" b="1"/>
+            <a:lvl6pPr marL="1828728" indent="0">
+              <a:buNone/>
+              <a:defRPr sz="1300" b="1"/>
             </a:lvl6pPr>
-            <a:lvl7pPr marL="1743029" indent="0">
-              <a:buNone/>
-              <a:defRPr sz="1000" b="1"/>
+            <a:lvl7pPr marL="2194474" indent="0">
+              <a:buNone/>
+              <a:defRPr sz="1300" b="1"/>
             </a:lvl7pPr>
-            <a:lvl8pPr marL="2033534" indent="0">
-              <a:buNone/>
-              <a:defRPr sz="1000" b="1"/>
+            <a:lvl8pPr marL="2560219" indent="0">
+              <a:buNone/>
+              <a:defRPr sz="1300" b="1"/>
             </a:lvl8pPr>
-            <a:lvl9pPr marL="2324039" indent="0">
-              <a:buNone/>
-              <a:defRPr sz="1000" b="1"/>
+            <a:lvl9pPr marL="2925965" indent="0">
+              <a:buNone/>
+              <a:defRPr sz="1300" b="1"/>
             </a:lvl9pPr>
           </a:lstStyle>
           <a:p>
@@ -1677,39 +1676,39 @@
         </p:nvSpPr>
         <p:spPr>
           <a:xfrm>
-            <a:off x="1974136" y="1992125"/>
-            <a:ext cx="1717754" cy="3619270"/>
+            <a:off x="2554764" y="2464858"/>
+            <a:ext cx="2222976" cy="4478126"/>
           </a:xfrm>
         </p:spPr>
         <p:txBody>
           <a:bodyPr/>
           <a:lstStyle>
             <a:lvl1pPr>
-              <a:defRPr sz="1500"/>
+              <a:defRPr sz="1900"/>
             </a:lvl1pPr>
             <a:lvl2pPr>
-              <a:defRPr sz="1300"/>
+              <a:defRPr sz="1600"/>
             </a:lvl2pPr>
             <a:lvl3pPr>
-              <a:defRPr sz="1100"/>
+              <a:defRPr sz="1400"/>
             </a:lvl3pPr>
             <a:lvl4pPr>
-              <a:defRPr sz="1000"/>
+              <a:defRPr sz="1300"/>
             </a:lvl4pPr>
             <a:lvl5pPr>
-              <a:defRPr sz="1000"/>
+              <a:defRPr sz="1300"/>
             </a:lvl5pPr>
             <a:lvl6pPr>
-              <a:defRPr sz="1000"/>
+              <a:defRPr sz="1300"/>
             </a:lvl6pPr>
             <a:lvl7pPr>
-              <a:defRPr sz="1000"/>
+              <a:defRPr sz="1300"/>
             </a:lvl7pPr>
             <a:lvl8pPr>
-              <a:defRPr sz="1000"/>
+              <a:defRPr sz="1300"/>
             </a:lvl8pPr>
             <a:lvl9pPr>
-              <a:defRPr sz="1000"/>
+              <a:defRPr sz="1300"/>
             </a:lvl9pPr>
           </a:lstStyle>
           <a:p>
@@ -1767,7 +1766,7 @@
           <a:p>
             <a:fld id="{F82B980A-C0E7-9D4C-BEC6-1F58685E2A63}" type="datetimeFigureOut">
               <a:rPr lang="en-US" smtClean="0"/>
-              <a:t>10/24/15</a:t>
+              <a:t>10/31/15</a:t>
             </a:fld>
             <a:endParaRPr lang="en-US"/>
           </a:p>
@@ -1885,7 +1884,7 @@
           <a:p>
             <a:fld id="{F82B980A-C0E7-9D4C-BEC6-1F58685E2A63}" type="datetimeFigureOut">
               <a:rPr lang="en-US" smtClean="0"/>
-              <a:t>10/24/15</a:t>
+              <a:t>10/31/15</a:t>
             </a:fld>
             <a:endParaRPr lang="en-US"/>
           </a:p>
@@ -1980,7 +1979,7 @@
           <a:p>
             <a:fld id="{F82B980A-C0E7-9D4C-BEC6-1F58685E2A63}" type="datetimeFigureOut">
               <a:rPr lang="en-US" smtClean="0"/>
-              <a:t>10/24/15</a:t>
+              <a:t>10/31/15</a:t>
             </a:fld>
             <a:endParaRPr lang="en-US"/>
           </a:p>
@@ -2070,15 +2069,15 @@
         </p:nvSpPr>
         <p:spPr>
           <a:xfrm>
-            <a:off x="194310" y="250106"/>
-            <a:ext cx="1278533" cy="1064406"/>
+            <a:off x="251461" y="309457"/>
+            <a:ext cx="1654572" cy="1316990"/>
           </a:xfrm>
         </p:spPr>
         <p:txBody>
           <a:bodyPr anchor="b"/>
           <a:lstStyle>
             <a:lvl1pPr algn="l">
-              <a:defRPr sz="1300" b="1"/>
+              <a:defRPr sz="1600" b="1"/>
             </a:lvl1pPr>
           </a:lstStyle>
           <a:p>
@@ -2102,39 +2101,39 @@
         </p:nvSpPr>
         <p:spPr>
           <a:xfrm>
-            <a:off x="1519396" y="250107"/>
-            <a:ext cx="2172494" cy="5361289"/>
+            <a:off x="1966277" y="309458"/>
+            <a:ext cx="2811463" cy="6633528"/>
           </a:xfrm>
         </p:spPr>
         <p:txBody>
           <a:bodyPr/>
           <a:lstStyle>
             <a:lvl1pPr>
-              <a:defRPr sz="2000"/>
+              <a:defRPr sz="2500"/>
             </a:lvl1pPr>
             <a:lvl2pPr>
-              <a:defRPr sz="1800"/>
+              <a:defRPr sz="2300"/>
             </a:lvl2pPr>
             <a:lvl3pPr>
-              <a:defRPr sz="1500"/>
+              <a:defRPr sz="1900"/>
             </a:lvl3pPr>
             <a:lvl4pPr>
-              <a:defRPr sz="1300"/>
+              <a:defRPr sz="1600"/>
             </a:lvl4pPr>
             <a:lvl5pPr>
-              <a:defRPr sz="1300"/>
+              <a:defRPr sz="1600"/>
             </a:lvl5pPr>
             <a:lvl6pPr>
-              <a:defRPr sz="1300"/>
+              <a:defRPr sz="1600"/>
             </a:lvl6pPr>
             <a:lvl7pPr>
-              <a:defRPr sz="1300"/>
+              <a:defRPr sz="1600"/>
             </a:lvl7pPr>
             <a:lvl8pPr>
-              <a:defRPr sz="1300"/>
+              <a:defRPr sz="1600"/>
             </a:lvl8pPr>
             <a:lvl9pPr>
-              <a:defRPr sz="1300"/>
+              <a:defRPr sz="1600"/>
             </a:lvl9pPr>
           </a:lstStyle>
           <a:p>
@@ -2187,8 +2186,8 @@
         </p:nvSpPr>
         <p:spPr>
           <a:xfrm>
-            <a:off x="194310" y="1314512"/>
-            <a:ext cx="1278533" cy="4296884"/>
+            <a:off x="251461" y="1626447"/>
+            <a:ext cx="1654572" cy="5316538"/>
           </a:xfrm>
         </p:spPr>
         <p:txBody>
@@ -2196,39 +2195,39 @@
           <a:lstStyle>
             <a:lvl1pPr marL="0" indent="0">
               <a:buNone/>
-              <a:defRPr sz="900"/>
+              <a:defRPr sz="1100"/>
             </a:lvl1pPr>
-            <a:lvl2pPr marL="290505" indent="0">
+            <a:lvl2pPr marL="365746" indent="0">
+              <a:buNone/>
+              <a:defRPr sz="1000"/>
+            </a:lvl2pPr>
+            <a:lvl3pPr marL="731492" indent="0">
               <a:buNone/>
               <a:defRPr sz="800"/>
-            </a:lvl2pPr>
-            <a:lvl3pPr marL="581010" indent="0">
-              <a:buNone/>
-              <a:defRPr sz="600"/>
             </a:lvl3pPr>
-            <a:lvl4pPr marL="871515" indent="0">
-              <a:buNone/>
-              <a:defRPr sz="600"/>
+            <a:lvl4pPr marL="1097237" indent="0">
+              <a:buNone/>
+              <a:defRPr sz="800"/>
             </a:lvl4pPr>
-            <a:lvl5pPr marL="1162020" indent="0">
-              <a:buNone/>
-              <a:defRPr sz="600"/>
+            <a:lvl5pPr marL="1462983" indent="0">
+              <a:buNone/>
+              <a:defRPr sz="800"/>
             </a:lvl5pPr>
-            <a:lvl6pPr marL="1452524" indent="0">
-              <a:buNone/>
-              <a:defRPr sz="600"/>
+            <a:lvl6pPr marL="1828728" indent="0">
+              <a:buNone/>
+              <a:defRPr sz="800"/>
             </a:lvl6pPr>
-            <a:lvl7pPr marL="1743029" indent="0">
-              <a:buNone/>
-              <a:defRPr sz="600"/>
+            <a:lvl7pPr marL="2194474" indent="0">
+              <a:buNone/>
+              <a:defRPr sz="800"/>
             </a:lvl7pPr>
-            <a:lvl8pPr marL="2033534" indent="0">
-              <a:buNone/>
-              <a:defRPr sz="600"/>
+            <a:lvl8pPr marL="2560219" indent="0">
+              <a:buNone/>
+              <a:defRPr sz="800"/>
             </a:lvl8pPr>
-            <a:lvl9pPr marL="2324039" indent="0">
-              <a:buNone/>
-              <a:defRPr sz="600"/>
+            <a:lvl9pPr marL="2925965" indent="0">
+              <a:buNone/>
+              <a:defRPr sz="800"/>
             </a:lvl9pPr>
           </a:lstStyle>
           <a:p>
@@ -2257,7 +2256,7 @@
           <a:p>
             <a:fld id="{F82B980A-C0E7-9D4C-BEC6-1F58685E2A63}" type="datetimeFigureOut">
               <a:rPr lang="en-US" smtClean="0"/>
-              <a:t>10/24/15</a:t>
+              <a:t>10/31/15</a:t>
             </a:fld>
             <a:endParaRPr lang="en-US"/>
           </a:p>
@@ -2347,15 +2346,15 @@
         </p:nvSpPr>
         <p:spPr>
           <a:xfrm>
-            <a:off x="761722" y="4397217"/>
-            <a:ext cx="2331720" cy="519116"/>
+            <a:off x="985758" y="5440680"/>
+            <a:ext cx="3017520" cy="642303"/>
           </a:xfrm>
         </p:spPr>
         <p:txBody>
           <a:bodyPr anchor="b"/>
           <a:lstStyle>
             <a:lvl1pPr algn="l">
-              <a:defRPr sz="1300" b="1"/>
+              <a:defRPr sz="1600" b="1"/>
             </a:lvl1pPr>
           </a:lstStyle>
           <a:p>
@@ -2379,8 +2378,8 @@
         </p:nvSpPr>
         <p:spPr>
           <a:xfrm>
-            <a:off x="761722" y="561285"/>
-            <a:ext cx="2331720" cy="3769043"/>
+            <a:off x="985758" y="694479"/>
+            <a:ext cx="3017520" cy="4663440"/>
           </a:xfrm>
         </p:spPr>
         <p:txBody>
@@ -2388,39 +2387,39 @@
           <a:lstStyle>
             <a:lvl1pPr marL="0" indent="0">
               <a:buNone/>
-              <a:defRPr sz="2000"/>
+              <a:defRPr sz="2500"/>
             </a:lvl1pPr>
-            <a:lvl2pPr marL="290505" indent="0">
-              <a:buNone/>
-              <a:defRPr sz="1800"/>
+            <a:lvl2pPr marL="365746" indent="0">
+              <a:buNone/>
+              <a:defRPr sz="2300"/>
             </a:lvl2pPr>
-            <a:lvl3pPr marL="581010" indent="0">
-              <a:buNone/>
-              <a:defRPr sz="1500"/>
+            <a:lvl3pPr marL="731492" indent="0">
+              <a:buNone/>
+              <a:defRPr sz="1900"/>
             </a:lvl3pPr>
-            <a:lvl4pPr marL="871515" indent="0">
-              <a:buNone/>
-              <a:defRPr sz="1300"/>
+            <a:lvl4pPr marL="1097237" indent="0">
+              <a:buNone/>
+              <a:defRPr sz="1600"/>
             </a:lvl4pPr>
-            <a:lvl5pPr marL="1162020" indent="0">
-              <a:buNone/>
-              <a:defRPr sz="1300"/>
+            <a:lvl5pPr marL="1462983" indent="0">
+              <a:buNone/>
+              <a:defRPr sz="1600"/>
             </a:lvl5pPr>
-            <a:lvl6pPr marL="1452524" indent="0">
-              <a:buNone/>
-              <a:defRPr sz="1300"/>
+            <a:lvl6pPr marL="1828728" indent="0">
+              <a:buNone/>
+              <a:defRPr sz="1600"/>
             </a:lvl6pPr>
-            <a:lvl7pPr marL="1743029" indent="0">
-              <a:buNone/>
-              <a:defRPr sz="1300"/>
+            <a:lvl7pPr marL="2194474" indent="0">
+              <a:buNone/>
+              <a:defRPr sz="1600"/>
             </a:lvl7pPr>
-            <a:lvl8pPr marL="2033534" indent="0">
-              <a:buNone/>
-              <a:defRPr sz="1300"/>
+            <a:lvl8pPr marL="2560219" indent="0">
+              <a:buNone/>
+              <a:defRPr sz="1600"/>
             </a:lvl8pPr>
-            <a:lvl9pPr marL="2324039" indent="0">
-              <a:buNone/>
-              <a:defRPr sz="1300"/>
+            <a:lvl9pPr marL="2925965" indent="0">
+              <a:buNone/>
+              <a:defRPr sz="1600"/>
             </a:lvl9pPr>
           </a:lstStyle>
           <a:p>
@@ -2440,8 +2439,8 @@
         </p:nvSpPr>
         <p:spPr>
           <a:xfrm>
-            <a:off x="761722" y="4916333"/>
-            <a:ext cx="2331720" cy="737231"/>
+            <a:off x="985758" y="6082984"/>
+            <a:ext cx="3017520" cy="912177"/>
           </a:xfrm>
         </p:spPr>
         <p:txBody>
@@ -2449,39 +2448,39 @@
           <a:lstStyle>
             <a:lvl1pPr marL="0" indent="0">
               <a:buNone/>
-              <a:defRPr sz="900"/>
+              <a:defRPr sz="1100"/>
             </a:lvl1pPr>
-            <a:lvl2pPr marL="290505" indent="0">
+            <a:lvl2pPr marL="365746" indent="0">
+              <a:buNone/>
+              <a:defRPr sz="1000"/>
+            </a:lvl2pPr>
+            <a:lvl3pPr marL="731492" indent="0">
               <a:buNone/>
               <a:defRPr sz="800"/>
-            </a:lvl2pPr>
-            <a:lvl3pPr marL="581010" indent="0">
-              <a:buNone/>
-              <a:defRPr sz="600"/>
             </a:lvl3pPr>
-            <a:lvl4pPr marL="871515" indent="0">
-              <a:buNone/>
-              <a:defRPr sz="600"/>
+            <a:lvl4pPr marL="1097237" indent="0">
+              <a:buNone/>
+              <a:defRPr sz="800"/>
             </a:lvl4pPr>
-            <a:lvl5pPr marL="1162020" indent="0">
-              <a:buNone/>
-              <a:defRPr sz="600"/>
+            <a:lvl5pPr marL="1462983" indent="0">
+              <a:buNone/>
+              <a:defRPr sz="800"/>
             </a:lvl5pPr>
-            <a:lvl6pPr marL="1452524" indent="0">
-              <a:buNone/>
-              <a:defRPr sz="600"/>
+            <a:lvl6pPr marL="1828728" indent="0">
+              <a:buNone/>
+              <a:defRPr sz="800"/>
             </a:lvl6pPr>
-            <a:lvl7pPr marL="1743029" indent="0">
-              <a:buNone/>
-              <a:defRPr sz="600"/>
+            <a:lvl7pPr marL="2194474" indent="0">
+              <a:buNone/>
+              <a:defRPr sz="800"/>
             </a:lvl7pPr>
-            <a:lvl8pPr marL="2033534" indent="0">
-              <a:buNone/>
-              <a:defRPr sz="600"/>
+            <a:lvl8pPr marL="2560219" indent="0">
+              <a:buNone/>
+              <a:defRPr sz="800"/>
             </a:lvl8pPr>
-            <a:lvl9pPr marL="2324039" indent="0">
-              <a:buNone/>
-              <a:defRPr sz="600"/>
+            <a:lvl9pPr marL="2925965" indent="0">
+              <a:buNone/>
+              <a:defRPr sz="800"/>
             </a:lvl9pPr>
           </a:lstStyle>
           <a:p>
@@ -2510,7 +2509,7 @@
           <a:p>
             <a:fld id="{F82B980A-C0E7-9D4C-BEC6-1F58685E2A63}" type="datetimeFigureOut">
               <a:rPr lang="en-US" smtClean="0"/>
-              <a:t>10/24/15</a:t>
+              <a:t>10/31/15</a:t>
             </a:fld>
             <a:endParaRPr lang="en-US"/>
           </a:p>
@@ -2605,15 +2604,15 @@
         </p:nvSpPr>
         <p:spPr>
           <a:xfrm>
-            <a:off x="194310" y="251561"/>
-            <a:ext cx="3497580" cy="1046956"/>
+            <a:off x="251460" y="311256"/>
+            <a:ext cx="4526280" cy="1295400"/>
           </a:xfrm>
           <a:prstGeom prst="rect">
             <a:avLst/>
           </a:prstGeom>
         </p:spPr>
         <p:txBody>
-          <a:bodyPr vert="horz" lIns="58101" tIns="29050" rIns="58101" bIns="29050" rtlCol="0" anchor="ctr">
+          <a:bodyPr vert="horz" lIns="73149" tIns="36574" rIns="73149" bIns="36574" rtlCol="0" anchor="ctr">
             <a:normAutofit/>
           </a:bodyPr>
           <a:lstStyle/>
@@ -2638,15 +2637,15 @@
         </p:nvSpPr>
         <p:spPr>
           <a:xfrm>
-            <a:off x="194310" y="1465739"/>
-            <a:ext cx="3497580" cy="4145657"/>
+            <a:off x="251460" y="1813561"/>
+            <a:ext cx="4526280" cy="5129425"/>
           </a:xfrm>
           <a:prstGeom prst="rect">
             <a:avLst/>
           </a:prstGeom>
         </p:spPr>
         <p:txBody>
-          <a:bodyPr vert="horz" lIns="58101" tIns="29050" rIns="58101" bIns="29050" rtlCol="0">
+          <a:bodyPr vert="horz" lIns="73149" tIns="36574" rIns="73149" bIns="36574" rtlCol="0">
             <a:normAutofit/>
           </a:bodyPr>
           <a:lstStyle/>
@@ -2700,18 +2699,18 @@
         </p:nvSpPr>
         <p:spPr>
           <a:xfrm>
-            <a:off x="194310" y="5822241"/>
-            <a:ext cx="906780" cy="334444"/>
+            <a:off x="251460" y="7203864"/>
+            <a:ext cx="1173480" cy="413808"/>
           </a:xfrm>
           <a:prstGeom prst="rect">
             <a:avLst/>
           </a:prstGeom>
         </p:spPr>
         <p:txBody>
-          <a:bodyPr vert="horz" lIns="58101" tIns="29050" rIns="58101" bIns="29050" rtlCol="0" anchor="ctr"/>
+          <a:bodyPr vert="horz" lIns="73149" tIns="36574" rIns="73149" bIns="36574" rtlCol="0" anchor="ctr"/>
           <a:lstStyle>
             <a:lvl1pPr algn="l">
-              <a:defRPr sz="800">
+              <a:defRPr sz="1000">
                 <a:solidFill>
                   <a:schemeClr val="tx1">
                     <a:tint val="75000"/>
@@ -2723,7 +2722,7 @@
           <a:p>
             <a:fld id="{F82B980A-C0E7-9D4C-BEC6-1F58685E2A63}" type="datetimeFigureOut">
               <a:rPr lang="en-US" smtClean="0"/>
-              <a:t>10/24/15</a:t>
+              <a:t>10/31/15</a:t>
             </a:fld>
             <a:endParaRPr lang="en-US"/>
           </a:p>
@@ -2741,18 +2740,18 @@
         </p:nvSpPr>
         <p:spPr>
           <a:xfrm>
-            <a:off x="1327785" y="5822241"/>
-            <a:ext cx="1230630" cy="334444"/>
+            <a:off x="1718310" y="7203864"/>
+            <a:ext cx="1592580" cy="413808"/>
           </a:xfrm>
           <a:prstGeom prst="rect">
             <a:avLst/>
           </a:prstGeom>
         </p:spPr>
         <p:txBody>
-          <a:bodyPr vert="horz" lIns="58101" tIns="29050" rIns="58101" bIns="29050" rtlCol="0" anchor="ctr"/>
+          <a:bodyPr vert="horz" lIns="73149" tIns="36574" rIns="73149" bIns="36574" rtlCol="0" anchor="ctr"/>
           <a:lstStyle>
             <a:lvl1pPr algn="ctr">
-              <a:defRPr sz="800">
+              <a:defRPr sz="1000">
                 <a:solidFill>
                   <a:schemeClr val="tx1">
                     <a:tint val="75000"/>
@@ -2778,18 +2777,18 @@
         </p:nvSpPr>
         <p:spPr>
           <a:xfrm>
-            <a:off x="2785110" y="5822241"/>
-            <a:ext cx="906780" cy="334444"/>
+            <a:off x="3604260" y="7203864"/>
+            <a:ext cx="1173480" cy="413808"/>
           </a:xfrm>
           <a:prstGeom prst="rect">
             <a:avLst/>
           </a:prstGeom>
         </p:spPr>
         <p:txBody>
-          <a:bodyPr vert="horz" lIns="58101" tIns="29050" rIns="58101" bIns="29050" rtlCol="0" anchor="ctr"/>
+          <a:bodyPr vert="horz" lIns="73149" tIns="36574" rIns="73149" bIns="36574" rtlCol="0" anchor="ctr"/>
           <a:lstStyle>
             <a:lvl1pPr algn="r">
-              <a:defRPr sz="800">
+              <a:defRPr sz="1000">
                 <a:solidFill>
                   <a:schemeClr val="tx1">
                     <a:tint val="75000"/>
@@ -2830,12 +2829,12 @@
   </p:sldLayoutIdLst>
   <p:txStyles>
     <p:titleStyle>
-      <a:lvl1pPr algn="ctr" defTabSz="290505" rtl="0" eaLnBrk="1" latinLnBrk="0" hangingPunct="1">
+      <a:lvl1pPr algn="ctr" defTabSz="365746" rtl="0" eaLnBrk="1" latinLnBrk="0" hangingPunct="1">
         <a:spcBef>
           <a:spcPct val="0"/>
         </a:spcBef>
         <a:buNone/>
-        <a:defRPr sz="2800" kern="1200">
+        <a:defRPr sz="3500" kern="1200">
           <a:solidFill>
             <a:schemeClr val="tx1"/>
           </a:solidFill>
@@ -2846,13 +2845,13 @@
       </a:lvl1pPr>
     </p:titleStyle>
     <p:bodyStyle>
-      <a:lvl1pPr marL="217879" indent="-217879" algn="l" defTabSz="290505" rtl="0" eaLnBrk="1" latinLnBrk="0" hangingPunct="1">
+      <a:lvl1pPr marL="274310" indent="-274310" algn="l" defTabSz="365746" rtl="0" eaLnBrk="1" latinLnBrk="0" hangingPunct="1">
         <a:spcBef>
           <a:spcPct val="20000"/>
         </a:spcBef>
         <a:buFont typeface="Arial"/>
         <a:buChar char="•"/>
-        <a:defRPr sz="2000" kern="1200">
+        <a:defRPr sz="2500" kern="1200">
           <a:solidFill>
             <a:schemeClr val="tx1"/>
           </a:solidFill>
@@ -2861,13 +2860,13 @@
           <a:cs typeface="+mn-cs"/>
         </a:defRPr>
       </a:lvl1pPr>
-      <a:lvl2pPr marL="472070" indent="-181566" algn="l" defTabSz="290505" rtl="0" eaLnBrk="1" latinLnBrk="0" hangingPunct="1">
+      <a:lvl2pPr marL="594336" indent="-228592" algn="l" defTabSz="365746" rtl="0" eaLnBrk="1" latinLnBrk="0" hangingPunct="1">
         <a:spcBef>
           <a:spcPct val="20000"/>
         </a:spcBef>
         <a:buFont typeface="Arial"/>
         <a:buChar char="–"/>
-        <a:defRPr sz="1800" kern="1200">
+        <a:defRPr sz="2300" kern="1200">
           <a:solidFill>
             <a:schemeClr val="tx1"/>
           </a:solidFill>
@@ -2876,13 +2875,13 @@
           <a:cs typeface="+mn-cs"/>
         </a:defRPr>
       </a:lvl2pPr>
-      <a:lvl3pPr marL="726262" indent="-145252" algn="l" defTabSz="290505" rtl="0" eaLnBrk="1" latinLnBrk="0" hangingPunct="1">
+      <a:lvl3pPr marL="914364" indent="-182872" algn="l" defTabSz="365746" rtl="0" eaLnBrk="1" latinLnBrk="0" hangingPunct="1">
         <a:spcBef>
           <a:spcPct val="20000"/>
         </a:spcBef>
         <a:buFont typeface="Arial"/>
         <a:buChar char="•"/>
-        <a:defRPr sz="1500" kern="1200">
+        <a:defRPr sz="1900" kern="1200">
           <a:solidFill>
             <a:schemeClr val="tx1"/>
           </a:solidFill>
@@ -2891,13 +2890,13 @@
           <a:cs typeface="+mn-cs"/>
         </a:defRPr>
       </a:lvl3pPr>
-      <a:lvl4pPr marL="1016767" indent="-145252" algn="l" defTabSz="290505" rtl="0" eaLnBrk="1" latinLnBrk="0" hangingPunct="1">
+      <a:lvl4pPr marL="1280110" indent="-182872" algn="l" defTabSz="365746" rtl="0" eaLnBrk="1" latinLnBrk="0" hangingPunct="1">
         <a:spcBef>
           <a:spcPct val="20000"/>
         </a:spcBef>
         <a:buFont typeface="Arial"/>
         <a:buChar char="–"/>
-        <a:defRPr sz="1300" kern="1200">
+        <a:defRPr sz="1600" kern="1200">
           <a:solidFill>
             <a:schemeClr val="tx1"/>
           </a:solidFill>
@@ -2906,13 +2905,13 @@
           <a:cs typeface="+mn-cs"/>
         </a:defRPr>
       </a:lvl4pPr>
-      <a:lvl5pPr marL="1307272" indent="-145252" algn="l" defTabSz="290505" rtl="0" eaLnBrk="1" latinLnBrk="0" hangingPunct="1">
+      <a:lvl5pPr marL="1645855" indent="-182872" algn="l" defTabSz="365746" rtl="0" eaLnBrk="1" latinLnBrk="0" hangingPunct="1">
         <a:spcBef>
           <a:spcPct val="20000"/>
         </a:spcBef>
         <a:buFont typeface="Arial"/>
         <a:buChar char="»"/>
-        <a:defRPr sz="1300" kern="1200">
+        <a:defRPr sz="1600" kern="1200">
           <a:solidFill>
             <a:schemeClr val="tx1"/>
           </a:solidFill>
@@ -2921,13 +2920,13 @@
           <a:cs typeface="+mn-cs"/>
         </a:defRPr>
       </a:lvl5pPr>
-      <a:lvl6pPr marL="1597777" indent="-145252" algn="l" defTabSz="290505" rtl="0" eaLnBrk="1" latinLnBrk="0" hangingPunct="1">
+      <a:lvl6pPr marL="2011601" indent="-182872" algn="l" defTabSz="365746" rtl="0" eaLnBrk="1" latinLnBrk="0" hangingPunct="1">
         <a:spcBef>
           <a:spcPct val="20000"/>
         </a:spcBef>
         <a:buFont typeface="Arial"/>
         <a:buChar char="•"/>
-        <a:defRPr sz="1300" kern="1200">
+        <a:defRPr sz="1600" kern="1200">
           <a:solidFill>
             <a:schemeClr val="tx1"/>
           </a:solidFill>
@@ -2936,13 +2935,13 @@
           <a:cs typeface="+mn-cs"/>
         </a:defRPr>
       </a:lvl6pPr>
-      <a:lvl7pPr marL="1888282" indent="-145252" algn="l" defTabSz="290505" rtl="0" eaLnBrk="1" latinLnBrk="0" hangingPunct="1">
+      <a:lvl7pPr marL="2377347" indent="-182872" algn="l" defTabSz="365746" rtl="0" eaLnBrk="1" latinLnBrk="0" hangingPunct="1">
         <a:spcBef>
           <a:spcPct val="20000"/>
         </a:spcBef>
         <a:buFont typeface="Arial"/>
         <a:buChar char="•"/>
-        <a:defRPr sz="1300" kern="1200">
+        <a:defRPr sz="1600" kern="1200">
           <a:solidFill>
             <a:schemeClr val="tx1"/>
           </a:solidFill>
@@ -2951,13 +2950,13 @@
           <a:cs typeface="+mn-cs"/>
         </a:defRPr>
       </a:lvl7pPr>
-      <a:lvl8pPr marL="2178787" indent="-145252" algn="l" defTabSz="290505" rtl="0" eaLnBrk="1" latinLnBrk="0" hangingPunct="1">
+      <a:lvl8pPr marL="2743093" indent="-182872" algn="l" defTabSz="365746" rtl="0" eaLnBrk="1" latinLnBrk="0" hangingPunct="1">
         <a:spcBef>
           <a:spcPct val="20000"/>
         </a:spcBef>
         <a:buFont typeface="Arial"/>
         <a:buChar char="•"/>
-        <a:defRPr sz="1300" kern="1200">
+        <a:defRPr sz="1600" kern="1200">
           <a:solidFill>
             <a:schemeClr val="tx1"/>
           </a:solidFill>
@@ -2966,13 +2965,13 @@
           <a:cs typeface="+mn-cs"/>
         </a:defRPr>
       </a:lvl8pPr>
-      <a:lvl9pPr marL="2469291" indent="-145252" algn="l" defTabSz="290505" rtl="0" eaLnBrk="1" latinLnBrk="0" hangingPunct="1">
+      <a:lvl9pPr marL="3108837" indent="-182872" algn="l" defTabSz="365746" rtl="0" eaLnBrk="1" latinLnBrk="0" hangingPunct="1">
         <a:spcBef>
           <a:spcPct val="20000"/>
         </a:spcBef>
         <a:buFont typeface="Arial"/>
         <a:buChar char="•"/>
-        <a:defRPr sz="1300" kern="1200">
+        <a:defRPr sz="1600" kern="1200">
           <a:solidFill>
             <a:schemeClr val="tx1"/>
           </a:solidFill>
@@ -2986,8 +2985,8 @@
       <a:defPPr>
         <a:defRPr lang="en-US"/>
       </a:defPPr>
-      <a:lvl1pPr marL="0" algn="l" defTabSz="290505" rtl="0" eaLnBrk="1" latinLnBrk="0" hangingPunct="1">
-        <a:defRPr sz="1100" kern="1200">
+      <a:lvl1pPr marL="0" algn="l" defTabSz="365746" rtl="0" eaLnBrk="1" latinLnBrk="0" hangingPunct="1">
+        <a:defRPr sz="1400" kern="1200">
           <a:solidFill>
             <a:schemeClr val="tx1"/>
           </a:solidFill>
@@ -2996,8 +2995,8 @@
           <a:cs typeface="+mn-cs"/>
         </a:defRPr>
       </a:lvl1pPr>
-      <a:lvl2pPr marL="290505" algn="l" defTabSz="290505" rtl="0" eaLnBrk="1" latinLnBrk="0" hangingPunct="1">
-        <a:defRPr sz="1100" kern="1200">
+      <a:lvl2pPr marL="365746" algn="l" defTabSz="365746" rtl="0" eaLnBrk="1" latinLnBrk="0" hangingPunct="1">
+        <a:defRPr sz="1400" kern="1200">
           <a:solidFill>
             <a:schemeClr val="tx1"/>
           </a:solidFill>
@@ -3006,8 +3005,8 @@
           <a:cs typeface="+mn-cs"/>
         </a:defRPr>
       </a:lvl2pPr>
-      <a:lvl3pPr marL="581010" algn="l" defTabSz="290505" rtl="0" eaLnBrk="1" latinLnBrk="0" hangingPunct="1">
-        <a:defRPr sz="1100" kern="1200">
+      <a:lvl3pPr marL="731492" algn="l" defTabSz="365746" rtl="0" eaLnBrk="1" latinLnBrk="0" hangingPunct="1">
+        <a:defRPr sz="1400" kern="1200">
           <a:solidFill>
             <a:schemeClr val="tx1"/>
           </a:solidFill>
@@ -3016,8 +3015,8 @@
           <a:cs typeface="+mn-cs"/>
         </a:defRPr>
       </a:lvl3pPr>
-      <a:lvl4pPr marL="871515" algn="l" defTabSz="290505" rtl="0" eaLnBrk="1" latinLnBrk="0" hangingPunct="1">
-        <a:defRPr sz="1100" kern="1200">
+      <a:lvl4pPr marL="1097237" algn="l" defTabSz="365746" rtl="0" eaLnBrk="1" latinLnBrk="0" hangingPunct="1">
+        <a:defRPr sz="1400" kern="1200">
           <a:solidFill>
             <a:schemeClr val="tx1"/>
           </a:solidFill>
@@ -3026,8 +3025,8 @@
           <a:cs typeface="+mn-cs"/>
         </a:defRPr>
       </a:lvl4pPr>
-      <a:lvl5pPr marL="1162020" algn="l" defTabSz="290505" rtl="0" eaLnBrk="1" latinLnBrk="0" hangingPunct="1">
-        <a:defRPr sz="1100" kern="1200">
+      <a:lvl5pPr marL="1462983" algn="l" defTabSz="365746" rtl="0" eaLnBrk="1" latinLnBrk="0" hangingPunct="1">
+        <a:defRPr sz="1400" kern="1200">
           <a:solidFill>
             <a:schemeClr val="tx1"/>
           </a:solidFill>
@@ -3036,8 +3035,8 @@
           <a:cs typeface="+mn-cs"/>
         </a:defRPr>
       </a:lvl5pPr>
-      <a:lvl6pPr marL="1452524" algn="l" defTabSz="290505" rtl="0" eaLnBrk="1" latinLnBrk="0" hangingPunct="1">
-        <a:defRPr sz="1100" kern="1200">
+      <a:lvl6pPr marL="1828728" algn="l" defTabSz="365746" rtl="0" eaLnBrk="1" latinLnBrk="0" hangingPunct="1">
+        <a:defRPr sz="1400" kern="1200">
           <a:solidFill>
             <a:schemeClr val="tx1"/>
           </a:solidFill>
@@ -3046,8 +3045,8 @@
           <a:cs typeface="+mn-cs"/>
         </a:defRPr>
       </a:lvl6pPr>
-      <a:lvl7pPr marL="1743029" algn="l" defTabSz="290505" rtl="0" eaLnBrk="1" latinLnBrk="0" hangingPunct="1">
-        <a:defRPr sz="1100" kern="1200">
+      <a:lvl7pPr marL="2194474" algn="l" defTabSz="365746" rtl="0" eaLnBrk="1" latinLnBrk="0" hangingPunct="1">
+        <a:defRPr sz="1400" kern="1200">
           <a:solidFill>
             <a:schemeClr val="tx1"/>
           </a:solidFill>
@@ -3056,8 +3055,8 @@
           <a:cs typeface="+mn-cs"/>
         </a:defRPr>
       </a:lvl7pPr>
-      <a:lvl8pPr marL="2033534" algn="l" defTabSz="290505" rtl="0" eaLnBrk="1" latinLnBrk="0" hangingPunct="1">
-        <a:defRPr sz="1100" kern="1200">
+      <a:lvl8pPr marL="2560219" algn="l" defTabSz="365746" rtl="0" eaLnBrk="1" latinLnBrk="0" hangingPunct="1">
+        <a:defRPr sz="1400" kern="1200">
           <a:solidFill>
             <a:schemeClr val="tx1"/>
           </a:solidFill>
@@ -3066,8 +3065,8 @@
           <a:cs typeface="+mn-cs"/>
         </a:defRPr>
       </a:lvl8pPr>
-      <a:lvl9pPr marL="2324039" algn="l" defTabSz="290505" rtl="0" eaLnBrk="1" latinLnBrk="0" hangingPunct="1">
-        <a:defRPr sz="1100" kern="1200">
+      <a:lvl9pPr marL="2925965" algn="l" defTabSz="365746" rtl="0" eaLnBrk="1" latinLnBrk="0" hangingPunct="1">
+        <a:defRPr sz="1400" kern="1200">
           <a:solidFill>
             <a:schemeClr val="tx1"/>
           </a:solidFill>
@@ -3100,7 +3099,351 @@
       </p:grpSpPr>
       <p:pic>
         <p:nvPicPr>
-          <p:cNvPr id="2" name="Picture 1" descr="MobProgrammingGuidebook - Cover No Screen.png"/>
+          <p:cNvPr id="9" name="Picture 8"/>
+          <p:cNvPicPr>
+            <a:picLocks noChangeAspect="1"/>
+          </p:cNvPicPr>
+          <p:nvPr/>
+        </p:nvPicPr>
+        <p:blipFill>
+          <a:blip r:embed="rId2"/>
+          <a:stretch>
+            <a:fillRect/>
+          </a:stretch>
+        </p:blipFill>
+        <p:spPr>
+          <a:xfrm>
+            <a:off x="0" y="2675"/>
+            <a:ext cx="5029200" cy="5677836"/>
+          </a:xfrm>
+          <a:prstGeom prst="rect">
+            <a:avLst/>
+          </a:prstGeom>
+        </p:spPr>
+      </p:pic>
+      <p:pic>
+        <p:nvPicPr>
+          <p:cNvPr id="7" name="Picture 6" descr="Mob Drawing - Color.png"/>
+          <p:cNvPicPr>
+            <a:picLocks noChangeAspect="1"/>
+          </p:cNvPicPr>
+          <p:nvPr/>
+        </p:nvPicPr>
+        <p:blipFill>
+          <a:blip r:embed="rId3">
+            <a:extLst>
+              <a:ext uri="{28A0092B-C50C-407E-A947-70E740481C1C}">
+                <a14:useLocalDpi xmlns:a14="http://schemas.microsoft.com/office/drawing/2010/main" val="0"/>
+              </a:ext>
+            </a:extLst>
+          </a:blip>
+          <a:stretch>
+            <a:fillRect/>
+          </a:stretch>
+        </p:blipFill>
+        <p:spPr>
+          <a:xfrm>
+            <a:off x="0" y="2674"/>
+            <a:ext cx="5024122" cy="7772400"/>
+          </a:xfrm>
+          <a:prstGeom prst="rect">
+            <a:avLst/>
+          </a:prstGeom>
+        </p:spPr>
+      </p:pic>
+      <p:sp>
+        <p:nvSpPr>
+          <p:cNvPr id="4" name="Rectangle 3"/>
+          <p:cNvSpPr/>
+          <p:nvPr/>
+        </p:nvSpPr>
+        <p:spPr>
+          <a:xfrm>
+            <a:off x="700879" y="385933"/>
+            <a:ext cx="3588733" cy="2086032"/>
+          </a:xfrm>
+          <a:prstGeom prst="rect">
+            <a:avLst/>
+          </a:prstGeom>
+          <a:solidFill>
+            <a:schemeClr val="bg1"/>
+          </a:solidFill>
+        </p:spPr>
+        <p:style>
+          <a:lnRef idx="2">
+            <a:schemeClr val="dk1"/>
+          </a:lnRef>
+          <a:fillRef idx="1">
+            <a:schemeClr val="lt1"/>
+          </a:fillRef>
+          <a:effectRef idx="0">
+            <a:schemeClr val="dk1"/>
+          </a:effectRef>
+          <a:fontRef idx="minor">
+            <a:schemeClr val="dk1"/>
+          </a:fontRef>
+        </p:style>
+        <p:txBody>
+          <a:bodyPr lIns="115123" tIns="57561" rIns="115123" bIns="57561" rtlCol="0" anchor="ctr"/>
+          <a:lstStyle/>
+          <a:p>
+            <a:pPr algn="ctr"/>
+            <a:endParaRPr lang="en-US"/>
+          </a:p>
+        </p:txBody>
+      </p:sp>
+      <p:sp>
+        <p:nvSpPr>
+          <p:cNvPr id="3" name="Rectangle 2"/>
+          <p:cNvSpPr/>
+          <p:nvPr/>
+        </p:nvSpPr>
+        <p:spPr>
+          <a:xfrm>
+            <a:off x="700878" y="802221"/>
+            <a:ext cx="3617696" cy="1270408"/>
+          </a:xfrm>
+          <a:prstGeom prst="rect">
+            <a:avLst/>
+          </a:prstGeom>
+          <a:effectLst/>
+        </p:spPr>
+        <p:txBody>
+          <a:bodyPr wrap="square" lIns="115123" tIns="57561" rIns="115123" bIns="57561">
+            <a:spAutoFit/>
+          </a:bodyPr>
+          <a:lstStyle/>
+          <a:p>
+            <a:pPr algn="ctr"/>
+            <a:r>
+              <a:rPr lang="en-US" sz="2500" dirty="0">
+                <a:latin typeface="Arial Black"/>
+                <a:cs typeface="Arial Black"/>
+              </a:rPr>
+              <a:t>The </a:t>
+            </a:r>
+          </a:p>
+          <a:p>
+            <a:pPr algn="ctr"/>
+            <a:r>
+              <a:rPr lang="en-US" sz="2500" dirty="0">
+                <a:latin typeface="Arial Black"/>
+                <a:cs typeface="Arial Black"/>
+              </a:rPr>
+              <a:t>Mob Programming</a:t>
+            </a:r>
+          </a:p>
+          <a:p>
+            <a:pPr algn="ctr"/>
+            <a:r>
+              <a:rPr lang="en-US" sz="2500" dirty="0">
+                <a:latin typeface="Arial Black"/>
+                <a:cs typeface="Arial Black"/>
+              </a:rPr>
+              <a:t>Guidebook</a:t>
+            </a:r>
+          </a:p>
+        </p:txBody>
+      </p:sp>
+      <p:sp>
+        <p:nvSpPr>
+          <p:cNvPr id="8" name="Rectangle 7"/>
+          <p:cNvSpPr/>
+          <p:nvPr/>
+        </p:nvSpPr>
+        <p:spPr>
+          <a:xfrm>
+            <a:off x="305319" y="7370950"/>
+            <a:ext cx="4497345" cy="413035"/>
+          </a:xfrm>
+          <a:prstGeom prst="rect">
+            <a:avLst/>
+          </a:prstGeom>
+          <a:solidFill>
+            <a:schemeClr val="bg1"/>
+          </a:solidFill>
+          <a:ln>
+            <a:noFill/>
+          </a:ln>
+        </p:spPr>
+        <p:style>
+          <a:lnRef idx="2">
+            <a:schemeClr val="dk1"/>
+          </a:lnRef>
+          <a:fillRef idx="1">
+            <a:schemeClr val="lt1"/>
+          </a:fillRef>
+          <a:effectRef idx="0">
+            <a:schemeClr val="dk1"/>
+          </a:effectRef>
+          <a:fontRef idx="minor">
+            <a:schemeClr val="dk1"/>
+          </a:fontRef>
+        </p:style>
+        <p:txBody>
+          <a:bodyPr lIns="115123" tIns="57561" rIns="115123" bIns="57561" rtlCol="0" anchor="ctr"/>
+          <a:lstStyle/>
+          <a:p>
+            <a:pPr algn="ctr"/>
+            <a:endParaRPr lang="en-US"/>
+          </a:p>
+        </p:txBody>
+      </p:sp>
+      <p:sp>
+        <p:nvSpPr>
+          <p:cNvPr id="5" name="Rectangle 4"/>
+          <p:cNvSpPr/>
+          <p:nvPr/>
+        </p:nvSpPr>
+        <p:spPr>
+          <a:xfrm>
+            <a:off x="305319" y="7359801"/>
+            <a:ext cx="4494604" cy="424023"/>
+          </a:xfrm>
+          <a:prstGeom prst="rect">
+            <a:avLst/>
+          </a:prstGeom>
+        </p:spPr>
+        <p:txBody>
+          <a:bodyPr wrap="none" lIns="115123" tIns="57561" rIns="115123" bIns="57561">
+            <a:spAutoFit/>
+          </a:bodyPr>
+          <a:lstStyle/>
+          <a:p>
+            <a:pPr algn="ctr"/>
+            <a:r>
+              <a:rPr lang="en-US" sz="2000" b="1" dirty="0">
+                <a:solidFill>
+                  <a:schemeClr val="tx1">
+                    <a:lumMod val="85000"/>
+                    <a:lumOff val="15000"/>
+                  </a:schemeClr>
+                </a:solidFill>
+                <a:latin typeface="Arial"/>
+                <a:cs typeface="Arial"/>
+              </a:rPr>
+              <a:t>Llewellyn Falco &amp; Maaret Pyhäjärvi </a:t>
+            </a:r>
+          </a:p>
+        </p:txBody>
+      </p:sp>
+    </p:spTree>
+    <p:extLst>
+      <p:ext uri="{BB962C8B-B14F-4D97-AF65-F5344CB8AC3E}">
+        <p14:creationId xmlns:p14="http://schemas.microsoft.com/office/powerpoint/2010/main" val="4268117972"/>
+      </p:ext>
+    </p:extLst>
+  </p:cSld>
+  <p:clrMapOvr>
+    <a:masterClrMapping/>
+  </p:clrMapOvr>
+</p:sld>
+</file>
+
+<file path=ppt/slides/slide2.xml><?xml version="1.0" encoding="utf-8"?>
+<p:sld xmlns:a="http://schemas.openxmlformats.org/drawingml/2006/main" xmlns:r="http://schemas.openxmlformats.org/officeDocument/2006/relationships" xmlns:p="http://schemas.openxmlformats.org/presentationml/2006/main">
+  <p:cSld>
+    <p:spTree>
+      <p:nvGrpSpPr>
+        <p:cNvPr id="1" name=""/>
+        <p:cNvGrpSpPr/>
+        <p:nvPr/>
+      </p:nvGrpSpPr>
+      <p:grpSpPr>
+        <a:xfrm>
+          <a:off x="0" y="0"/>
+          <a:ext cx="0" cy="0"/>
+          <a:chOff x="0" y="0"/>
+          <a:chExt cx="0" cy="0"/>
+        </a:xfrm>
+      </p:grpSpPr>
+      <p:sp>
+        <p:nvSpPr>
+          <p:cNvPr id="6" name="Rectangle 5"/>
+          <p:cNvSpPr/>
+          <p:nvPr/>
+        </p:nvSpPr>
+        <p:spPr>
+          <a:xfrm>
+            <a:off x="265928" y="2831391"/>
+            <a:ext cx="2167298" cy="4052468"/>
+          </a:xfrm>
+          <a:prstGeom prst="rect">
+            <a:avLst/>
+          </a:prstGeom>
+          <a:solidFill>
+            <a:srgbClr val="FFFFFF">
+              <a:alpha val="61000"/>
+            </a:srgbClr>
+          </a:solidFill>
+          <a:ln>
+            <a:noFill/>
+          </a:ln>
+        </p:spPr>
+        <p:style>
+          <a:lnRef idx="2">
+            <a:schemeClr val="dk1"/>
+          </a:lnRef>
+          <a:fillRef idx="1">
+            <a:schemeClr val="lt1"/>
+          </a:fillRef>
+          <a:effectRef idx="0">
+            <a:schemeClr val="dk1"/>
+          </a:effectRef>
+          <a:fontRef idx="minor">
+            <a:schemeClr val="dk1"/>
+          </a:fontRef>
+        </p:style>
+        <p:txBody>
+          <a:bodyPr lIns="115123" tIns="57561" rIns="115123" bIns="57561" rtlCol="0" anchor="t"/>
+          <a:lstStyle/>
+          <a:p>
+            <a:pPr algn="just"/>
+            <a:r>
+              <a:rPr lang="en-US" dirty="0" smtClean="0">
+                <a:latin typeface="Abadi MT Condensed Light"/>
+                <a:cs typeface="Abadi MT Condensed Light"/>
+              </a:rPr>
+              <a:t>Maaret Pyhäjärvi is a tester extraordinaire specializing in breaking illusions about software through means of exploratory testing. She is a software specialist with soft spots for hands-on testing, helping teams grow and building successful products and businesses. She’s been working with software since 1995 in various roles and delivers talks as popular speaker in Finland as well as internationally. She works as a tester at </a:t>
+            </a:r>
+            <a:r>
+              <a:rPr lang="en-US" dirty="0" err="1" smtClean="0">
+                <a:latin typeface="Abadi MT Condensed Light"/>
+                <a:cs typeface="Abadi MT Condensed Light"/>
+              </a:rPr>
+              <a:t>Granlund</a:t>
+            </a:r>
+            <a:r>
+              <a:rPr lang="en-US" dirty="0" smtClean="0">
+                <a:latin typeface="Abadi MT Condensed Light"/>
+                <a:cs typeface="Abadi MT Condensed Light"/>
+              </a:rPr>
+              <a:t> and trains testing on the side through </a:t>
+            </a:r>
+            <a:r>
+              <a:rPr lang="en-US" dirty="0" err="1" smtClean="0">
+                <a:latin typeface="Abadi MT Condensed Light"/>
+                <a:cs typeface="Abadi MT Condensed Light"/>
+              </a:rPr>
+              <a:t>Altom</a:t>
+            </a:r>
+            <a:r>
+              <a:rPr lang="en-US" smtClean="0">
+                <a:latin typeface="Abadi MT Condensed Light"/>
+                <a:cs typeface="Abadi MT Condensed Light"/>
+              </a:rPr>
+              <a:t>.</a:t>
+            </a:r>
+            <a:endParaRPr lang="en-US" dirty="0">
+              <a:latin typeface="Abadi MT Condensed Light"/>
+              <a:cs typeface="Abadi MT Condensed Light"/>
+            </a:endParaRPr>
+          </a:p>
+        </p:txBody>
+      </p:sp>
+      <p:pic>
+        <p:nvPicPr>
+          <p:cNvPr id="18" name="Picture 17" descr="divider-37709_640.png"/>
           <p:cNvPicPr>
             <a:picLocks noChangeAspect="1"/>
           </p:cNvPicPr>
@@ -3119,25 +3462,151 @@
           </a:stretch>
         </p:blipFill>
         <p:spPr>
-          <a:xfrm>
-            <a:off x="0" y="1638014"/>
-            <a:ext cx="3886200" cy="4643724"/>
+          <a:xfrm rot="16200000">
+            <a:off x="1174005" y="3869783"/>
+            <a:ext cx="2681193" cy="604407"/>
           </a:xfrm>
           <a:prstGeom prst="rect">
             <a:avLst/>
           </a:prstGeom>
         </p:spPr>
       </p:pic>
-      <p:sp>
-        <p:nvSpPr>
-          <p:cNvPr id="6" name="Rectangle 5"/>
+      <p:pic>
+        <p:nvPicPr>
+          <p:cNvPr id="3" name="Picture 2" descr="maaret-082015.jpg"/>
+          <p:cNvPicPr>
+            <a:picLocks noChangeAspect="1"/>
+          </p:cNvPicPr>
+          <p:nvPr/>
+        </p:nvPicPr>
+        <p:blipFill rotWithShape="1">
+          <a:blip r:embed="rId3">
+            <a:extLst>
+              <a:ext uri="{28A0092B-C50C-407E-A947-70E740481C1C}">
+                <a14:useLocalDpi xmlns:a14="http://schemas.microsoft.com/office/drawing/2010/main" val="0"/>
+              </a:ext>
+            </a:extLst>
+          </a:blip>
+          <a:srcRect t="4332" b="15584"/>
+          <a:stretch/>
+        </p:blipFill>
+        <p:spPr>
+          <a:xfrm>
+            <a:off x="601889" y="959115"/>
+            <a:ext cx="1314824" cy="1258413"/>
+          </a:xfrm>
+          <a:prstGeom prst="ellipse">
+            <a:avLst/>
+          </a:prstGeom>
+          <a:ln w="12700" cap="rnd" cmpd="sng">
+            <a:solidFill>
+              <a:srgbClr val="333333"/>
+            </a:solidFill>
+          </a:ln>
+          <a:effectLst/>
+          <a:scene3d>
+            <a:camera prst="orthographicFront"/>
+            <a:lightRig rig="contrasting" dir="t">
+              <a:rot lat="0" lon="0" rev="3000000"/>
+            </a:lightRig>
+          </a:scene3d>
+          <a:sp3d contourW="7620">
+            <a:bevelT w="95250" h="31750"/>
+            <a:contourClr>
+              <a:srgbClr val="333333"/>
+            </a:contourClr>
+          </a:sp3d>
+        </p:spPr>
+      </p:pic>
+      <p:pic>
+        <p:nvPicPr>
+          <p:cNvPr id="5" name="Picture 4" descr="Llewellyn_Falco_-_Headshot_-_Large.jpg"/>
+          <p:cNvPicPr>
+            <a:picLocks noChangeAspect="1"/>
+          </p:cNvPicPr>
+          <p:nvPr/>
+        </p:nvPicPr>
+        <p:blipFill>
+          <a:blip r:embed="rId4">
+            <a:extLst>
+              <a:ext uri="{28A0092B-C50C-407E-A947-70E740481C1C}">
+                <a14:useLocalDpi xmlns:a14="http://schemas.microsoft.com/office/drawing/2010/main" val="0"/>
+              </a:ext>
+            </a:extLst>
+          </a:blip>
+          <a:stretch>
+            <a:fillRect/>
+          </a:stretch>
+        </p:blipFill>
+        <p:spPr>
+          <a:xfrm>
+            <a:off x="3036278" y="959115"/>
+            <a:ext cx="1356907" cy="1258413"/>
+          </a:xfrm>
+          <a:prstGeom prst="ellipse">
+            <a:avLst/>
+          </a:prstGeom>
+          <a:ln w="12700" cap="rnd" cmpd="sng">
+            <a:solidFill>
+              <a:srgbClr val="333333"/>
+            </a:solidFill>
+          </a:ln>
+          <a:effectLst/>
+          <a:scene3d>
+            <a:camera prst="orthographicFront"/>
+            <a:lightRig rig="contrasting" dir="t">
+              <a:rot lat="0" lon="0" rev="3000000"/>
+            </a:lightRig>
+          </a:scene3d>
+          <a:sp3d contourW="7620">
+            <a:bevelT w="95250" h="31750"/>
+            <a:contourClr>
+              <a:srgbClr val="333333"/>
+            </a:contourClr>
+          </a:sp3d>
+        </p:spPr>
+      </p:pic>
+      <p:sp>
+        <p:nvSpPr>
+          <p:cNvPr id="7" name="Rectangle 6"/>
           <p:cNvSpPr/>
           <p:nvPr/>
         </p:nvSpPr>
         <p:spPr>
           <a:xfrm>
-            <a:off x="233810" y="5943185"/>
-            <a:ext cx="3475221" cy="338554"/>
+            <a:off x="565694" y="2328913"/>
+            <a:ext cx="1478817" cy="331690"/>
+          </a:xfrm>
+          <a:prstGeom prst="rect">
+            <a:avLst/>
+          </a:prstGeom>
+        </p:spPr>
+        <p:txBody>
+          <a:bodyPr wrap="none" lIns="115123" tIns="57561" rIns="115123" bIns="57561">
+            <a:spAutoFit/>
+          </a:bodyPr>
+          <a:lstStyle/>
+          <a:p>
+            <a:pPr algn="ctr"/>
+            <a:r>
+              <a:rPr lang="en-US" dirty="0">
+                <a:effectLst/>
+              </a:rPr>
+              <a:t>Maaret Pyhäjärvi</a:t>
+            </a:r>
+          </a:p>
+        </p:txBody>
+      </p:sp>
+      <p:sp>
+        <p:nvSpPr>
+          <p:cNvPr id="17" name="Rectangle 16"/>
+          <p:cNvSpPr/>
+          <p:nvPr/>
+        </p:nvSpPr>
+        <p:spPr>
+          <a:xfrm>
+            <a:off x="2630449" y="2831391"/>
+            <a:ext cx="2167298" cy="4052468"/>
           </a:xfrm>
           <a:prstGeom prst="rect">
             <a:avLst/>
@@ -3166,187 +3635,130 @@
           </a:fontRef>
         </p:style>
         <p:txBody>
-          <a:bodyPr rtlCol="0" anchor="ctr"/>
-          <a:lstStyle/>
-          <a:p>
-            <a:pPr algn="ctr"/>
-            <a:endParaRPr lang="en-US"/>
-          </a:p>
-        </p:txBody>
-      </p:sp>
-      <p:sp>
-        <p:nvSpPr>
-          <p:cNvPr id="3" name="Rectangle 2"/>
+          <a:bodyPr lIns="115123" tIns="57561" rIns="115123" bIns="57561" rtlCol="0" anchor="t"/>
+          <a:lstStyle/>
+          <a:p>
+            <a:pPr algn="just"/>
+            <a:r>
+              <a:rPr lang="en-US" dirty="0">
+                <a:latin typeface="Abadi MT Condensed Light"/>
+                <a:cs typeface="Abadi MT Condensed Light"/>
+              </a:rPr>
+              <a:t>Llewellyn Falco is an Agile Technical Coach specializing in Legacy Code and Test Driven Development.  He is the creator of the open source testing tool </a:t>
+            </a:r>
+            <a:r>
+              <a:rPr lang="en-US" dirty="0" smtClean="0">
+                <a:latin typeface="Abadi MT Condensed Light"/>
+                <a:cs typeface="Abadi MT Condensed Light"/>
+              </a:rPr>
+              <a:t>ApprovalTests, discoverer of Strong-style pairing, and the co-founder </a:t>
+            </a:r>
+            <a:r>
+              <a:rPr lang="en-US" dirty="0">
+                <a:latin typeface="Abadi MT Condensed Light"/>
+                <a:cs typeface="Abadi MT Condensed Light"/>
+              </a:rPr>
+              <a:t>of </a:t>
+            </a:r>
+            <a:r>
+              <a:rPr lang="en-US" dirty="0" smtClean="0">
+                <a:latin typeface="Abadi MT Condensed Light"/>
+                <a:cs typeface="Abadi MT Condensed Light"/>
+              </a:rPr>
+              <a:t>“Teaching Kids Programing”</a:t>
+            </a:r>
+          </a:p>
+          <a:p>
+            <a:pPr algn="just"/>
+            <a:r>
+              <a:rPr lang="en-US" dirty="0">
+                <a:latin typeface="Abadi MT Condensed Light"/>
+                <a:cs typeface="Abadi MT Condensed Light"/>
+              </a:rPr>
+              <a:t> </a:t>
+            </a:r>
+            <a:r>
+              <a:rPr lang="en-US" dirty="0" smtClean="0">
+                <a:latin typeface="Abadi MT Condensed Light"/>
+                <a:cs typeface="Abadi MT Condensed Light"/>
+              </a:rPr>
+              <a:t>He has been using mob programming for teaching and coaching since 2010.</a:t>
+            </a:r>
+            <a:endParaRPr lang="en-US" dirty="0">
+              <a:latin typeface="Abadi MT Condensed Light"/>
+              <a:cs typeface="Abadi MT Condensed Light"/>
+            </a:endParaRPr>
+          </a:p>
+        </p:txBody>
+      </p:sp>
+      <p:sp>
+        <p:nvSpPr>
+          <p:cNvPr id="19" name="Rectangle 18"/>
           <p:cNvSpPr/>
           <p:nvPr/>
         </p:nvSpPr>
         <p:spPr>
           <a:xfrm>
-            <a:off x="602888" y="648363"/>
-            <a:ext cx="2734192" cy="1015663"/>
+            <a:off x="2972381" y="2325804"/>
+            <a:ext cx="1335361" cy="331690"/>
           </a:xfrm>
           <a:prstGeom prst="rect">
             <a:avLst/>
           </a:prstGeom>
         </p:spPr>
         <p:txBody>
-          <a:bodyPr wrap="none">
+          <a:bodyPr wrap="none" lIns="115123" tIns="57561" rIns="115123" bIns="57561">
             <a:spAutoFit/>
           </a:bodyPr>
           <a:lstStyle/>
           <a:p>
             <a:pPr algn="ctr"/>
             <a:r>
-              <a:rPr lang="en-US" sz="2000" dirty="0" smtClean="0">
-                <a:latin typeface="Arial Black"/>
-                <a:cs typeface="Arial Black"/>
+              <a:rPr lang="en-US" dirty="0" smtClean="0">
+                <a:effectLst/>
               </a:rPr>
-              <a:t>The </a:t>
-            </a:r>
-          </a:p>
-          <a:p>
-            <a:pPr algn="ctr"/>
-            <a:r>
-              <a:rPr lang="en-US" sz="2000" dirty="0" smtClean="0">
-                <a:latin typeface="Arial Black"/>
-                <a:cs typeface="Arial Black"/>
-              </a:rPr>
-              <a:t>Mob Programming</a:t>
-            </a:r>
-          </a:p>
-          <a:p>
-            <a:pPr algn="ctr"/>
-            <a:r>
-              <a:rPr lang="en-US" sz="2000" dirty="0" smtClean="0">
-                <a:latin typeface="Arial Black"/>
-                <a:cs typeface="Arial Black"/>
-              </a:rPr>
-              <a:t>Guidebook</a:t>
-            </a:r>
-            <a:endParaRPr lang="en-US" sz="2000" dirty="0">
-              <a:latin typeface="Arial Black"/>
-              <a:cs typeface="Arial Black"/>
+              <a:t>Llewellyn Falco</a:t>
+            </a:r>
+            <a:endParaRPr lang="en-US" dirty="0">
+              <a:effectLst/>
             </a:endParaRPr>
           </a:p>
         </p:txBody>
       </p:sp>
       <p:sp>
         <p:nvSpPr>
-          <p:cNvPr id="4" name="Rectangle 3"/>
+          <p:cNvPr id="20" name="Rectangle 19"/>
           <p:cNvSpPr/>
           <p:nvPr/>
         </p:nvSpPr>
         <p:spPr>
           <a:xfrm>
-            <a:off x="541588" y="311915"/>
-            <a:ext cx="2773112" cy="1685954"/>
+            <a:off x="1649684" y="408786"/>
+            <a:ext cx="1567095" cy="331690"/>
           </a:xfrm>
           <a:prstGeom prst="rect">
             <a:avLst/>
           </a:prstGeom>
-          <a:noFill/>
-        </p:spPr>
-        <p:style>
-          <a:lnRef idx="2">
-            <a:schemeClr val="dk1"/>
-          </a:lnRef>
-          <a:fillRef idx="1">
-            <a:schemeClr val="lt1"/>
-          </a:fillRef>
-          <a:effectRef idx="0">
-            <a:schemeClr val="dk1"/>
-          </a:effectRef>
-          <a:fontRef idx="minor">
-            <a:schemeClr val="dk1"/>
-          </a:fontRef>
-        </p:style>
-        <p:txBody>
-          <a:bodyPr rtlCol="0" anchor="ctr"/>
-          <a:lstStyle/>
-          <a:p>
-            <a:pPr algn="ctr"/>
-            <a:endParaRPr lang="en-US"/>
-          </a:p>
-        </p:txBody>
-      </p:sp>
-      <p:sp>
-        <p:nvSpPr>
-          <p:cNvPr id="5" name="Rectangle 4"/>
-          <p:cNvSpPr/>
-          <p:nvPr/>
-        </p:nvSpPr>
-        <p:spPr>
-          <a:xfrm>
-            <a:off x="135065" y="5943184"/>
-            <a:ext cx="3643318" cy="338554"/>
-          </a:xfrm>
-          <a:prstGeom prst="rect">
-            <a:avLst/>
-          </a:prstGeom>
-        </p:spPr>
-        <p:txBody>
-          <a:bodyPr wrap="none">
+        </p:spPr>
+        <p:txBody>
+          <a:bodyPr wrap="none" lIns="115123" tIns="57561" rIns="115123" bIns="57561">
             <a:spAutoFit/>
           </a:bodyPr>
           <a:lstStyle/>
           <a:p>
             <a:pPr algn="ctr"/>
             <a:r>
-              <a:rPr lang="en-US" sz="1600" b="1" dirty="0" smtClean="0">
-                <a:solidFill>
-                  <a:schemeClr val="tx1">
-                    <a:lumMod val="85000"/>
-                    <a:lumOff val="15000"/>
-                  </a:schemeClr>
-                </a:solidFill>
-                <a:latin typeface="Arial"/>
-                <a:cs typeface="Arial"/>
-              </a:rPr>
-              <a:t>Llewellyn Falco &amp; Maaret </a:t>
-            </a:r>
-            <a:r>
-              <a:rPr lang="en-US" sz="1600" b="1" dirty="0">
-                <a:solidFill>
-                  <a:schemeClr val="tx1">
-                    <a:lumMod val="85000"/>
-                    <a:lumOff val="15000"/>
-                  </a:schemeClr>
-                </a:solidFill>
-                <a:latin typeface="Arial"/>
-                <a:cs typeface="Arial"/>
-              </a:rPr>
-              <a:t>P</a:t>
-            </a:r>
-            <a:r>
-              <a:rPr lang="en-US" sz="1600" b="1" dirty="0" smtClean="0">
-                <a:solidFill>
-                  <a:schemeClr val="tx1">
-                    <a:lumMod val="85000"/>
-                    <a:lumOff val="15000"/>
-                  </a:schemeClr>
-                </a:solidFill>
-                <a:latin typeface="Arial"/>
-                <a:cs typeface="Arial"/>
-              </a:rPr>
-              <a:t>yhäjärvi </a:t>
-            </a:r>
-            <a:endParaRPr lang="en-US" sz="1600" b="1" dirty="0">
-              <a:solidFill>
-                <a:schemeClr val="tx1">
-                  <a:lumMod val="85000"/>
-                  <a:lumOff val="15000"/>
-                </a:schemeClr>
-              </a:solidFill>
-              <a:latin typeface="Arial"/>
-              <a:cs typeface="Arial"/>
-            </a:endParaRPr>
+              <a:rPr lang="en-US" dirty="0" smtClean="0"/>
+              <a:t>About the authors</a:t>
+            </a:r>
+            <a:endParaRPr lang="en-US" dirty="0"/>
           </a:p>
         </p:txBody>
       </p:sp>
     </p:spTree>
     <p:extLst>
       <p:ext uri="{BB962C8B-B14F-4D97-AF65-F5344CB8AC3E}">
-        <p14:creationId xmlns:p14="http://schemas.microsoft.com/office/powerpoint/2010/main" val="3557260715"/>
+        <p14:creationId xmlns:p14="http://schemas.microsoft.com/office/powerpoint/2010/main" val="3380108205"/>
       </p:ext>
     </p:extLst>
   </p:cSld>
@@ -3356,7 +3768,7 @@
 </p:sld>
 </file>
 
-<file path=ppt/slides/slide2.xml><?xml version="1.0" encoding="utf-8"?>
+<file path=ppt/slides/slide3.xml><?xml version="1.0" encoding="utf-8"?>
 <p:sld xmlns:a="http://schemas.openxmlformats.org/drawingml/2006/main" xmlns:r="http://schemas.openxmlformats.org/officeDocument/2006/relationships" xmlns:p="http://schemas.openxmlformats.org/presentationml/2006/main">
   <p:cSld>
     <p:spTree>
@@ -3389,61 +3801,36 @@
         </p:blipFill>
         <p:spPr>
           <a:xfrm>
-            <a:off x="0" y="2161"/>
-            <a:ext cx="3886200" cy="4588889"/>
+            <a:off x="-1" y="-4128"/>
+            <a:ext cx="5170948" cy="7995711"/>
           </a:xfrm>
           <a:prstGeom prst="rect">
             <a:avLst/>
           </a:prstGeom>
         </p:spPr>
       </p:pic>
-      <p:pic>
-        <p:nvPicPr>
-          <p:cNvPr id="7" name="Picture 6" descr="Mob Drawing - Color.png"/>
-          <p:cNvPicPr>
-            <a:picLocks noChangeAspect="1"/>
-          </p:cNvPicPr>
-          <p:nvPr/>
-        </p:nvPicPr>
-        <p:blipFill>
-          <a:blip r:embed="rId3">
-            <a:extLst>
-              <a:ext uri="{28A0092B-C50C-407E-A947-70E740481C1C}">
-                <a14:useLocalDpi xmlns:a14="http://schemas.microsoft.com/office/drawing/2010/main" val="0"/>
-              </a:ext>
-            </a:extLst>
-          </a:blip>
-          <a:stretch>
-            <a:fillRect/>
-          </a:stretch>
-        </p:blipFill>
-        <p:spPr>
-          <a:xfrm>
-            <a:off x="0" y="2161"/>
-            <a:ext cx="3882276" cy="6281738"/>
-          </a:xfrm>
-          <a:prstGeom prst="rect">
-            <a:avLst/>
-          </a:prstGeom>
-        </p:spPr>
-      </p:pic>
-      <p:sp>
-        <p:nvSpPr>
-          <p:cNvPr id="4" name="Rectangle 3"/>
+      <p:sp>
+        <p:nvSpPr>
+          <p:cNvPr id="6" name="Rectangle 5"/>
           <p:cNvSpPr/>
           <p:nvPr/>
         </p:nvSpPr>
         <p:spPr>
           <a:xfrm>
-            <a:off x="541588" y="311915"/>
-            <a:ext cx="2773112" cy="1685954"/>
+            <a:off x="265929" y="3883052"/>
+            <a:ext cx="4497345" cy="3701436"/>
           </a:xfrm>
           <a:prstGeom prst="rect">
             <a:avLst/>
           </a:prstGeom>
           <a:solidFill>
-            <a:schemeClr val="bg1"/>
+            <a:srgbClr val="FFFFFF">
+              <a:alpha val="61000"/>
+            </a:srgbClr>
           </a:solidFill>
+          <a:ln>
+            <a:noFill/>
+          </a:ln>
         </p:spPr>
         <p:style>
           <a:lnRef idx="2">
@@ -3460,7 +3847,7 @@
           </a:fontRef>
         </p:style>
         <p:txBody>
-          <a:bodyPr rtlCol="0" anchor="ctr"/>
+          <a:bodyPr lIns="115123" tIns="57561" rIns="115123" bIns="57561" rtlCol="0" anchor="ctr"/>
           <a:lstStyle/>
           <a:p>
             <a:pPr algn="ctr"/>
@@ -3470,22 +3857,65 @@
       </p:sp>
       <p:sp>
         <p:nvSpPr>
-          <p:cNvPr id="6" name="Rectangle 5"/>
+          <p:cNvPr id="2" name="TextBox 1"/>
+          <p:cNvSpPr txBox="1"/>
+          <p:nvPr/>
+        </p:nvSpPr>
+        <p:spPr>
+          <a:xfrm>
+            <a:off x="169473" y="2622436"/>
+            <a:ext cx="4768714" cy="547133"/>
+          </a:xfrm>
+          <a:prstGeom prst="rect">
+            <a:avLst/>
+          </a:prstGeom>
+          <a:noFill/>
+        </p:spPr>
+        <p:txBody>
+          <a:bodyPr wrap="square" lIns="115123" tIns="57561" rIns="115123" bIns="57561" rtlCol="0">
+            <a:spAutoFit/>
+          </a:bodyPr>
+          <a:lstStyle/>
+          <a:p>
+            <a:pPr algn="ctr"/>
+            <a:r>
+              <a:rPr lang="en-US" i="1" dirty="0" smtClean="0"/>
+              <a:t>All </a:t>
+            </a:r>
+            <a:r>
+              <a:rPr lang="en-US" i="1" dirty="0"/>
+              <a:t>the brilliant people, working on the same thing, at the same time, in the same space, and at the </a:t>
+            </a:r>
+            <a:r>
+              <a:rPr lang="en-US" b="1" i="1" dirty="0"/>
+              <a:t>same computer</a:t>
+            </a:r>
+            <a:r>
+              <a:rPr lang="en-US" i="1" dirty="0" smtClean="0"/>
+              <a:t>.</a:t>
+            </a:r>
+            <a:endParaRPr lang="en-US" i="1" dirty="0"/>
+          </a:p>
+        </p:txBody>
+      </p:sp>
+      <p:sp>
+        <p:nvSpPr>
+          <p:cNvPr id="4" name="Rectangle 3"/>
           <p:cNvSpPr/>
           <p:nvPr/>
         </p:nvSpPr>
         <p:spPr>
           <a:xfrm>
-            <a:off x="233810" y="5943185"/>
-            <a:ext cx="3475221" cy="338554"/>
+            <a:off x="700879" y="385933"/>
+            <a:ext cx="3588733" cy="2086032"/>
           </a:xfrm>
           <a:prstGeom prst="rect">
             <a:avLst/>
           </a:prstGeom>
           <a:solidFill>
-            <a:srgbClr val="FFFFFF">
-              <a:alpha val="61000"/>
-            </a:srgbClr>
+            <a:schemeClr val="bg1">
+              <a:lumMod val="75000"/>
+            </a:schemeClr>
           </a:solidFill>
           <a:ln>
             <a:noFill/>
@@ -3506,761 +3936,7 @@
           </a:fontRef>
         </p:style>
         <p:txBody>
-          <a:bodyPr rtlCol="0" anchor="ctr"/>
-          <a:lstStyle/>
-          <a:p>
-            <a:pPr algn="ctr"/>
-            <a:endParaRPr lang="en-US"/>
-          </a:p>
-        </p:txBody>
-      </p:sp>
-      <p:sp>
-        <p:nvSpPr>
-          <p:cNvPr id="3" name="Rectangle 2"/>
-          <p:cNvSpPr/>
-          <p:nvPr/>
-        </p:nvSpPr>
-        <p:spPr>
-          <a:xfrm>
-            <a:off x="541588" y="648363"/>
-            <a:ext cx="2795492" cy="1015663"/>
-          </a:xfrm>
-          <a:prstGeom prst="rect">
-            <a:avLst/>
-          </a:prstGeom>
-          <a:effectLst/>
-        </p:spPr>
-        <p:txBody>
-          <a:bodyPr wrap="square">
-            <a:spAutoFit/>
-          </a:bodyPr>
-          <a:lstStyle/>
-          <a:p>
-            <a:pPr algn="ctr"/>
-            <a:r>
-              <a:rPr lang="en-US" sz="2000" dirty="0" smtClean="0">
-                <a:latin typeface="Arial Black"/>
-                <a:cs typeface="Arial Black"/>
-              </a:rPr>
-              <a:t>The </a:t>
-            </a:r>
-          </a:p>
-          <a:p>
-            <a:pPr algn="ctr"/>
-            <a:r>
-              <a:rPr lang="en-US" sz="2000" dirty="0" smtClean="0">
-                <a:latin typeface="Arial Black"/>
-                <a:cs typeface="Arial Black"/>
-              </a:rPr>
-              <a:t>Mob Programming</a:t>
-            </a:r>
-          </a:p>
-          <a:p>
-            <a:pPr algn="ctr"/>
-            <a:r>
-              <a:rPr lang="en-US" sz="2000" dirty="0" smtClean="0">
-                <a:latin typeface="Arial Black"/>
-                <a:cs typeface="Arial Black"/>
-              </a:rPr>
-              <a:t>Guidebook</a:t>
-            </a:r>
-            <a:endParaRPr lang="en-US" sz="2000" dirty="0">
-              <a:latin typeface="Arial Black"/>
-              <a:cs typeface="Arial Black"/>
-            </a:endParaRPr>
-          </a:p>
-        </p:txBody>
-      </p:sp>
-      <p:sp>
-        <p:nvSpPr>
-          <p:cNvPr id="5" name="Rectangle 4"/>
-          <p:cNvSpPr/>
-          <p:nvPr/>
-        </p:nvSpPr>
-        <p:spPr>
-          <a:xfrm>
-            <a:off x="135065" y="5943184"/>
-            <a:ext cx="3643318" cy="338554"/>
-          </a:xfrm>
-          <a:prstGeom prst="rect">
-            <a:avLst/>
-          </a:prstGeom>
-        </p:spPr>
-        <p:txBody>
-          <a:bodyPr wrap="none">
-            <a:spAutoFit/>
-          </a:bodyPr>
-          <a:lstStyle/>
-          <a:p>
-            <a:pPr algn="ctr"/>
-            <a:r>
-              <a:rPr lang="en-US" sz="1600" b="1" dirty="0" smtClean="0">
-                <a:solidFill>
-                  <a:schemeClr val="tx1">
-                    <a:lumMod val="85000"/>
-                    <a:lumOff val="15000"/>
-                  </a:schemeClr>
-                </a:solidFill>
-                <a:latin typeface="Arial"/>
-                <a:cs typeface="Arial"/>
-              </a:rPr>
-              <a:t>Llewellyn Falco &amp; Maaret </a:t>
-            </a:r>
-            <a:r>
-              <a:rPr lang="en-US" sz="1600" b="1" dirty="0">
-                <a:solidFill>
-                  <a:schemeClr val="tx1">
-                    <a:lumMod val="85000"/>
-                    <a:lumOff val="15000"/>
-                  </a:schemeClr>
-                </a:solidFill>
-                <a:latin typeface="Arial"/>
-                <a:cs typeface="Arial"/>
-              </a:rPr>
-              <a:t>P</a:t>
-            </a:r>
-            <a:r>
-              <a:rPr lang="en-US" sz="1600" b="1" dirty="0" smtClean="0">
-                <a:solidFill>
-                  <a:schemeClr val="tx1">
-                    <a:lumMod val="85000"/>
-                    <a:lumOff val="15000"/>
-                  </a:schemeClr>
-                </a:solidFill>
-                <a:latin typeface="Arial"/>
-                <a:cs typeface="Arial"/>
-              </a:rPr>
-              <a:t>yhäjärvi </a:t>
-            </a:r>
-            <a:endParaRPr lang="en-US" sz="1600" b="1" dirty="0">
-              <a:solidFill>
-                <a:schemeClr val="tx1">
-                  <a:lumMod val="85000"/>
-                  <a:lumOff val="15000"/>
-                </a:schemeClr>
-              </a:solidFill>
-              <a:latin typeface="Arial"/>
-              <a:cs typeface="Arial"/>
-            </a:endParaRPr>
-          </a:p>
-        </p:txBody>
-      </p:sp>
-    </p:spTree>
-    <p:extLst>
-      <p:ext uri="{BB962C8B-B14F-4D97-AF65-F5344CB8AC3E}">
-        <p14:creationId xmlns:p14="http://schemas.microsoft.com/office/powerpoint/2010/main" val="4268117972"/>
-      </p:ext>
-    </p:extLst>
-  </p:cSld>
-  <p:clrMapOvr>
-    <a:masterClrMapping/>
-  </p:clrMapOvr>
-</p:sld>
-</file>
-
-<file path=ppt/slides/slide3.xml><?xml version="1.0" encoding="utf-8"?>
-<p:sld xmlns:a="http://schemas.openxmlformats.org/drawingml/2006/main" xmlns:r="http://schemas.openxmlformats.org/officeDocument/2006/relationships" xmlns:p="http://schemas.openxmlformats.org/presentationml/2006/main">
-  <p:cSld>
-    <p:spTree>
-      <p:nvGrpSpPr>
-        <p:cNvPr id="1" name=""/>
-        <p:cNvGrpSpPr/>
-        <p:nvPr/>
-      </p:nvGrpSpPr>
-      <p:grpSpPr>
-        <a:xfrm>
-          <a:off x="0" y="0"/>
-          <a:ext cx="0" cy="0"/>
-          <a:chOff x="0" y="0"/>
-          <a:chExt cx="0" cy="0"/>
-        </a:xfrm>
-      </p:grpSpPr>
-      <p:sp>
-        <p:nvSpPr>
-          <p:cNvPr id="6" name="Rectangle 5"/>
-          <p:cNvSpPr/>
-          <p:nvPr/>
-        </p:nvSpPr>
-        <p:spPr>
-          <a:xfrm>
-            <a:off x="205490" y="2288360"/>
-            <a:ext cx="1674730" cy="3275249"/>
-          </a:xfrm>
-          <a:prstGeom prst="rect">
-            <a:avLst/>
-          </a:prstGeom>
-          <a:solidFill>
-            <a:srgbClr val="FFFFFF">
-              <a:alpha val="61000"/>
-            </a:srgbClr>
-          </a:solidFill>
-          <a:ln>
-            <a:noFill/>
-          </a:ln>
-        </p:spPr>
-        <p:style>
-          <a:lnRef idx="2">
-            <a:schemeClr val="dk1"/>
-          </a:lnRef>
-          <a:fillRef idx="1">
-            <a:schemeClr val="lt1"/>
-          </a:fillRef>
-          <a:effectRef idx="0">
-            <a:schemeClr val="dk1"/>
-          </a:effectRef>
-          <a:fontRef idx="minor">
-            <a:schemeClr val="dk1"/>
-          </a:fontRef>
-        </p:style>
-        <p:txBody>
-          <a:bodyPr rtlCol="0" anchor="t"/>
-          <a:lstStyle/>
-          <a:p>
-            <a:pPr algn="just"/>
-            <a:r>
-              <a:rPr lang="en-US" dirty="0" smtClean="0">
-                <a:latin typeface="Abadi MT Condensed Light"/>
-                <a:cs typeface="Abadi MT Condensed Light"/>
-              </a:rPr>
-              <a:t>Maaret Pyhäjärvi is a tester extraordinaire specializing in breaking illusions about software through means of exploratory testing. She is a software specialist with soft spots for hands-on testing, helping teams grow and building successful products and businesses. She’s been working with software since 1995 in various roles and delivers talks as popular speaker in Finland as well as internationally. She works as a tester at </a:t>
-            </a:r>
-            <a:r>
-              <a:rPr lang="en-US" dirty="0" err="1" smtClean="0">
-                <a:latin typeface="Abadi MT Condensed Light"/>
-                <a:cs typeface="Abadi MT Condensed Light"/>
-              </a:rPr>
-              <a:t>Granlund</a:t>
-            </a:r>
-            <a:r>
-              <a:rPr lang="en-US" dirty="0" smtClean="0">
-                <a:latin typeface="Abadi MT Condensed Light"/>
-                <a:cs typeface="Abadi MT Condensed Light"/>
-              </a:rPr>
-              <a:t> and trains testing on the side through </a:t>
-            </a:r>
-            <a:r>
-              <a:rPr lang="en-US" dirty="0" err="1" smtClean="0">
-                <a:latin typeface="Abadi MT Condensed Light"/>
-                <a:cs typeface="Abadi MT Condensed Light"/>
-              </a:rPr>
-              <a:t>Altom</a:t>
-            </a:r>
-            <a:r>
-              <a:rPr lang="en-US" smtClean="0">
-                <a:latin typeface="Abadi MT Condensed Light"/>
-                <a:cs typeface="Abadi MT Condensed Light"/>
-              </a:rPr>
-              <a:t>.</a:t>
-            </a:r>
-            <a:endParaRPr lang="en-US" dirty="0">
-              <a:latin typeface="Abadi MT Condensed Light"/>
-              <a:cs typeface="Abadi MT Condensed Light"/>
-            </a:endParaRPr>
-          </a:p>
-        </p:txBody>
-      </p:sp>
-      <p:pic>
-        <p:nvPicPr>
-          <p:cNvPr id="18" name="Picture 17" descr="divider-37709_640.png"/>
-          <p:cNvPicPr>
-            <a:picLocks noChangeAspect="1"/>
-          </p:cNvPicPr>
-          <p:nvPr/>
-        </p:nvPicPr>
-        <p:blipFill>
-          <a:blip r:embed="rId2">
-            <a:extLst>
-              <a:ext uri="{28A0092B-C50C-407E-A947-70E740481C1C}">
-                <a14:useLocalDpi xmlns:a14="http://schemas.microsoft.com/office/drawing/2010/main" val="0"/>
-              </a:ext>
-            </a:extLst>
-          </a:blip>
-          <a:stretch>
-            <a:fillRect/>
-          </a:stretch>
-        </p:blipFill>
-        <p:spPr>
-          <a:xfrm rot="16200000">
-            <a:off x="859616" y="3138324"/>
-            <a:ext cx="2166969" cy="467042"/>
-          </a:xfrm>
-          <a:prstGeom prst="rect">
-            <a:avLst/>
-          </a:prstGeom>
-        </p:spPr>
-      </p:pic>
-      <p:pic>
-        <p:nvPicPr>
-          <p:cNvPr id="3" name="Picture 2" descr="maaret-082015.jpg"/>
-          <p:cNvPicPr>
-            <a:picLocks noChangeAspect="1"/>
-          </p:cNvPicPr>
-          <p:nvPr/>
-        </p:nvPicPr>
-        <p:blipFill rotWithShape="1">
-          <a:blip r:embed="rId3">
-            <a:extLst>
-              <a:ext uri="{28A0092B-C50C-407E-A947-70E740481C1C}">
-                <a14:useLocalDpi xmlns:a14="http://schemas.microsoft.com/office/drawing/2010/main" val="0"/>
-              </a:ext>
-            </a:extLst>
-          </a:blip>
-          <a:srcRect t="4332" b="15584"/>
-          <a:stretch/>
-        </p:blipFill>
-        <p:spPr>
-          <a:xfrm>
-            <a:off x="465096" y="775167"/>
-            <a:ext cx="1016000" cy="1017063"/>
-          </a:xfrm>
-          <a:prstGeom prst="ellipse">
-            <a:avLst/>
-          </a:prstGeom>
-          <a:ln w="12700" cap="rnd" cmpd="sng">
-            <a:solidFill>
-              <a:srgbClr val="333333"/>
-            </a:solidFill>
-          </a:ln>
-          <a:effectLst>
-            <a:outerShdw blurRad="381000" dist="292100" dir="5400000" sx="-80000" sy="-18000" rotWithShape="0">
-              <a:srgbClr val="000000">
-                <a:alpha val="22000"/>
-              </a:srgbClr>
-            </a:outerShdw>
-          </a:effectLst>
-          <a:scene3d>
-            <a:camera prst="orthographicFront"/>
-            <a:lightRig rig="contrasting" dir="t">
-              <a:rot lat="0" lon="0" rev="3000000"/>
-            </a:lightRig>
-          </a:scene3d>
-          <a:sp3d contourW="7620">
-            <a:bevelT w="95250" h="31750"/>
-            <a:contourClr>
-              <a:srgbClr val="333333"/>
-            </a:contourClr>
-          </a:sp3d>
-        </p:spPr>
-      </p:pic>
-      <p:pic>
-        <p:nvPicPr>
-          <p:cNvPr id="5" name="Picture 4" descr="Llewellyn_Falco_-_Headshot_-_Large.jpg"/>
-          <p:cNvPicPr>
-            <a:picLocks noChangeAspect="1"/>
-          </p:cNvPicPr>
-          <p:nvPr/>
-        </p:nvPicPr>
-        <p:blipFill>
-          <a:blip r:embed="rId4">
-            <a:extLst>
-              <a:ext uri="{28A0092B-C50C-407E-A947-70E740481C1C}">
-                <a14:useLocalDpi xmlns:a14="http://schemas.microsoft.com/office/drawing/2010/main" val="0"/>
-              </a:ext>
-            </a:extLst>
-          </a:blip>
-          <a:stretch>
-            <a:fillRect/>
-          </a:stretch>
-        </p:blipFill>
-        <p:spPr>
-          <a:xfrm>
-            <a:off x="2346214" y="775167"/>
-            <a:ext cx="1048519" cy="1017063"/>
-          </a:xfrm>
-          <a:prstGeom prst="ellipse">
-            <a:avLst/>
-          </a:prstGeom>
-          <a:ln w="12700" cap="rnd" cmpd="sng">
-            <a:solidFill>
-              <a:srgbClr val="333333"/>
-            </a:solidFill>
-          </a:ln>
-          <a:effectLst>
-            <a:outerShdw blurRad="381000" dist="292100" dir="5400000" sx="-80000" sy="-18000" rotWithShape="0">
-              <a:srgbClr val="000000">
-                <a:alpha val="22000"/>
-              </a:srgbClr>
-            </a:outerShdw>
-          </a:effectLst>
-          <a:scene3d>
-            <a:camera prst="orthographicFront"/>
-            <a:lightRig rig="contrasting" dir="t">
-              <a:rot lat="0" lon="0" rev="3000000"/>
-            </a:lightRig>
-          </a:scene3d>
-          <a:sp3d contourW="7620">
-            <a:bevelT w="95250" h="31750"/>
-            <a:contourClr>
-              <a:srgbClr val="333333"/>
-            </a:contourClr>
-          </a:sp3d>
-        </p:spPr>
-      </p:pic>
-      <p:sp>
-        <p:nvSpPr>
-          <p:cNvPr id="7" name="Rectangle 6"/>
-          <p:cNvSpPr/>
-          <p:nvPr/>
-        </p:nvSpPr>
-        <p:spPr>
-          <a:xfrm>
-            <a:off x="426529" y="1882253"/>
-            <a:ext cx="1163919" cy="261610"/>
-          </a:xfrm>
-          <a:prstGeom prst="rect">
-            <a:avLst/>
-          </a:prstGeom>
-        </p:spPr>
-        <p:txBody>
-          <a:bodyPr wrap="none">
-            <a:spAutoFit/>
-          </a:bodyPr>
-          <a:lstStyle/>
-          <a:p>
-            <a:pPr algn="ctr"/>
-            <a:r>
-              <a:rPr lang="en-US" dirty="0"/>
-              <a:t>Maaret Pyhäjärvi</a:t>
-            </a:r>
-          </a:p>
-        </p:txBody>
-      </p:sp>
-      <p:sp>
-        <p:nvSpPr>
-          <p:cNvPr id="17" name="Rectangle 16"/>
-          <p:cNvSpPr/>
-          <p:nvPr/>
-        </p:nvSpPr>
-        <p:spPr>
-          <a:xfrm>
-            <a:off x="2032620" y="2288360"/>
-            <a:ext cx="1674730" cy="3275249"/>
-          </a:xfrm>
-          <a:prstGeom prst="rect">
-            <a:avLst/>
-          </a:prstGeom>
-          <a:solidFill>
-            <a:srgbClr val="FFFFFF">
-              <a:alpha val="61000"/>
-            </a:srgbClr>
-          </a:solidFill>
-          <a:ln>
-            <a:noFill/>
-          </a:ln>
-        </p:spPr>
-        <p:style>
-          <a:lnRef idx="2">
-            <a:schemeClr val="dk1"/>
-          </a:lnRef>
-          <a:fillRef idx="1">
-            <a:schemeClr val="lt1"/>
-          </a:fillRef>
-          <a:effectRef idx="0">
-            <a:schemeClr val="dk1"/>
-          </a:effectRef>
-          <a:fontRef idx="minor">
-            <a:schemeClr val="dk1"/>
-          </a:fontRef>
-        </p:style>
-        <p:txBody>
-          <a:bodyPr rtlCol="0" anchor="t"/>
-          <a:lstStyle/>
-          <a:p>
-            <a:pPr algn="just"/>
-            <a:r>
-              <a:rPr lang="en-US" dirty="0">
-                <a:latin typeface="Abadi MT Condensed Light"/>
-                <a:cs typeface="Abadi MT Condensed Light"/>
-              </a:rPr>
-              <a:t>Llewellyn Falco is an Agile Technical Coach specializing in Legacy Code and Test Driven Development.  He is the creator of the open source testing tool </a:t>
-            </a:r>
-            <a:r>
-              <a:rPr lang="en-US" dirty="0" smtClean="0">
-                <a:latin typeface="Abadi MT Condensed Light"/>
-                <a:cs typeface="Abadi MT Condensed Light"/>
-              </a:rPr>
-              <a:t>ApprovalTests, discoverer of Strong-style pairing, and the co-founder </a:t>
-            </a:r>
-            <a:r>
-              <a:rPr lang="en-US" dirty="0">
-                <a:latin typeface="Abadi MT Condensed Light"/>
-                <a:cs typeface="Abadi MT Condensed Light"/>
-              </a:rPr>
-              <a:t>of </a:t>
-            </a:r>
-            <a:r>
-              <a:rPr lang="en-US" dirty="0" smtClean="0">
-                <a:latin typeface="Abadi MT Condensed Light"/>
-                <a:cs typeface="Abadi MT Condensed Light"/>
-              </a:rPr>
-              <a:t>“Teaching Kids Programing”</a:t>
-            </a:r>
-          </a:p>
-          <a:p>
-            <a:pPr algn="just"/>
-            <a:r>
-              <a:rPr lang="en-US" dirty="0">
-                <a:latin typeface="Abadi MT Condensed Light"/>
-                <a:cs typeface="Abadi MT Condensed Light"/>
-              </a:rPr>
-              <a:t> </a:t>
-            </a:r>
-            <a:r>
-              <a:rPr lang="en-US" dirty="0" smtClean="0">
-                <a:latin typeface="Abadi MT Condensed Light"/>
-                <a:cs typeface="Abadi MT Condensed Light"/>
-              </a:rPr>
-              <a:t>He has been using mob programming for teaching and coaching since 2010.</a:t>
-            </a:r>
-            <a:endParaRPr lang="en-US" dirty="0">
-              <a:latin typeface="Abadi MT Condensed Light"/>
-              <a:cs typeface="Abadi MT Condensed Light"/>
-            </a:endParaRPr>
-          </a:p>
-        </p:txBody>
-      </p:sp>
-      <p:sp>
-        <p:nvSpPr>
-          <p:cNvPr id="19" name="Rectangle 18"/>
-          <p:cNvSpPr/>
-          <p:nvPr/>
-        </p:nvSpPr>
-        <p:spPr>
-          <a:xfrm>
-            <a:off x="2287296" y="1879740"/>
-            <a:ext cx="1050957" cy="261610"/>
-          </a:xfrm>
-          <a:prstGeom prst="rect">
-            <a:avLst/>
-          </a:prstGeom>
-        </p:spPr>
-        <p:txBody>
-          <a:bodyPr wrap="none">
-            <a:spAutoFit/>
-          </a:bodyPr>
-          <a:lstStyle/>
-          <a:p>
-            <a:pPr algn="ctr"/>
-            <a:r>
-              <a:rPr lang="en-US" dirty="0" smtClean="0"/>
-              <a:t>Llewellyn Falco</a:t>
-            </a:r>
-            <a:endParaRPr lang="en-US" dirty="0"/>
-          </a:p>
-        </p:txBody>
-      </p:sp>
-      <p:sp>
-        <p:nvSpPr>
-          <p:cNvPr id="20" name="Rectangle 19"/>
-          <p:cNvSpPr/>
-          <p:nvPr/>
-        </p:nvSpPr>
-        <p:spPr>
-          <a:xfrm>
-            <a:off x="1263584" y="330385"/>
-            <a:ext cx="1233280" cy="261610"/>
-          </a:xfrm>
-          <a:prstGeom prst="rect">
-            <a:avLst/>
-          </a:prstGeom>
-        </p:spPr>
-        <p:txBody>
-          <a:bodyPr wrap="none">
-            <a:spAutoFit/>
-          </a:bodyPr>
-          <a:lstStyle/>
-          <a:p>
-            <a:pPr algn="ctr"/>
-            <a:r>
-              <a:rPr lang="en-US" dirty="0" smtClean="0"/>
-              <a:t>About the authors</a:t>
-            </a:r>
-            <a:endParaRPr lang="en-US" dirty="0"/>
-          </a:p>
-        </p:txBody>
-      </p:sp>
-    </p:spTree>
-    <p:extLst>
-      <p:ext uri="{BB962C8B-B14F-4D97-AF65-F5344CB8AC3E}">
-        <p14:creationId xmlns:p14="http://schemas.microsoft.com/office/powerpoint/2010/main" val="3380108205"/>
-      </p:ext>
-    </p:extLst>
-  </p:cSld>
-  <p:clrMapOvr>
-    <a:masterClrMapping/>
-  </p:clrMapOvr>
-</p:sld>
-</file>
-
-<file path=ppt/slides/slide4.xml><?xml version="1.0" encoding="utf-8"?>
-<p:sld xmlns:a="http://schemas.openxmlformats.org/drawingml/2006/main" xmlns:r="http://schemas.openxmlformats.org/officeDocument/2006/relationships" xmlns:p="http://schemas.openxmlformats.org/presentationml/2006/main">
-  <p:cSld>
-    <p:spTree>
-      <p:nvGrpSpPr>
-        <p:cNvPr id="1" name=""/>
-        <p:cNvGrpSpPr/>
-        <p:nvPr/>
-      </p:nvGrpSpPr>
-      <p:grpSpPr>
-        <a:xfrm>
-          <a:off x="0" y="0"/>
-          <a:ext cx="0" cy="0"/>
-          <a:chOff x="0" y="0"/>
-          <a:chExt cx="0" cy="0"/>
-        </a:xfrm>
-      </p:grpSpPr>
-      <p:pic>
-        <p:nvPicPr>
-          <p:cNvPr id="9" name="Picture 8"/>
-          <p:cNvPicPr>
-            <a:picLocks noChangeAspect="1"/>
-          </p:cNvPicPr>
-          <p:nvPr/>
-        </p:nvPicPr>
-        <p:blipFill>
-          <a:blip r:embed="rId2"/>
-          <a:stretch>
-            <a:fillRect/>
-          </a:stretch>
-        </p:blipFill>
-        <p:spPr>
-          <a:xfrm>
-            <a:off x="0" y="-3337"/>
-            <a:ext cx="3886200" cy="6285075"/>
-          </a:xfrm>
-          <a:prstGeom prst="rect">
-            <a:avLst/>
-          </a:prstGeom>
-        </p:spPr>
-      </p:pic>
-      <p:sp>
-        <p:nvSpPr>
-          <p:cNvPr id="6" name="Rectangle 5"/>
-          <p:cNvSpPr/>
-          <p:nvPr/>
-        </p:nvSpPr>
-        <p:spPr>
-          <a:xfrm>
-            <a:off x="205490" y="3138324"/>
-            <a:ext cx="3475221" cy="2991541"/>
-          </a:xfrm>
-          <a:prstGeom prst="rect">
-            <a:avLst/>
-          </a:prstGeom>
-          <a:solidFill>
-            <a:srgbClr val="FFFFFF">
-              <a:alpha val="61000"/>
-            </a:srgbClr>
-          </a:solidFill>
-          <a:ln>
-            <a:noFill/>
-          </a:ln>
-        </p:spPr>
-        <p:style>
-          <a:lnRef idx="2">
-            <a:schemeClr val="dk1"/>
-          </a:lnRef>
-          <a:fillRef idx="1">
-            <a:schemeClr val="lt1"/>
-          </a:fillRef>
-          <a:effectRef idx="0">
-            <a:schemeClr val="dk1"/>
-          </a:effectRef>
-          <a:fontRef idx="minor">
-            <a:schemeClr val="dk1"/>
-          </a:fontRef>
-        </p:style>
-        <p:txBody>
-          <a:bodyPr rtlCol="0" anchor="ctr"/>
-          <a:lstStyle/>
-          <a:p>
-            <a:pPr algn="ctr"/>
-            <a:endParaRPr lang="en-US"/>
-          </a:p>
-        </p:txBody>
-      </p:sp>
-      <p:sp>
-        <p:nvSpPr>
-          <p:cNvPr id="2" name="TextBox 1"/>
-          <p:cNvSpPr txBox="1"/>
-          <p:nvPr/>
-        </p:nvSpPr>
-        <p:spPr>
-          <a:xfrm>
-            <a:off x="130956" y="2119481"/>
-            <a:ext cx="3684915" cy="430887"/>
-          </a:xfrm>
-          <a:prstGeom prst="rect">
-            <a:avLst/>
-          </a:prstGeom>
-          <a:noFill/>
-        </p:spPr>
-        <p:txBody>
-          <a:bodyPr wrap="square" rtlCol="0">
-            <a:spAutoFit/>
-          </a:bodyPr>
-          <a:lstStyle/>
-          <a:p>
-            <a:pPr algn="ctr"/>
-            <a:r>
-              <a:rPr lang="en-US" i="1" dirty="0" smtClean="0"/>
-              <a:t>All </a:t>
-            </a:r>
-            <a:r>
-              <a:rPr lang="en-US" i="1" dirty="0"/>
-              <a:t>the brilliant people, working on the same thing, at the same time, in the same space, and at the </a:t>
-            </a:r>
-            <a:r>
-              <a:rPr lang="en-US" b="1" i="1" dirty="0"/>
-              <a:t>same computer</a:t>
-            </a:r>
-            <a:r>
-              <a:rPr lang="en-US" i="1" dirty="0" smtClean="0"/>
-              <a:t>.</a:t>
-            </a:r>
-            <a:endParaRPr lang="en-US" i="1" dirty="0"/>
-          </a:p>
-        </p:txBody>
-      </p:sp>
-      <p:sp>
-        <p:nvSpPr>
-          <p:cNvPr id="4" name="Rectangle 3"/>
-          <p:cNvSpPr/>
-          <p:nvPr/>
-        </p:nvSpPr>
-        <p:spPr>
-          <a:xfrm>
-            <a:off x="541588" y="311915"/>
-            <a:ext cx="2773112" cy="1685954"/>
-          </a:xfrm>
-          <a:prstGeom prst="rect">
-            <a:avLst/>
-          </a:prstGeom>
-          <a:solidFill>
-            <a:schemeClr val="bg1">
-              <a:lumMod val="75000"/>
-            </a:schemeClr>
-          </a:solidFill>
-          <a:ln>
-            <a:noFill/>
-          </a:ln>
-        </p:spPr>
-        <p:style>
-          <a:lnRef idx="2">
-            <a:schemeClr val="dk1"/>
-          </a:lnRef>
-          <a:fillRef idx="1">
-            <a:schemeClr val="lt1"/>
-          </a:fillRef>
-          <a:effectRef idx="0">
-            <a:schemeClr val="dk1"/>
-          </a:effectRef>
-          <a:fontRef idx="minor">
-            <a:schemeClr val="dk1"/>
-          </a:fontRef>
-        </p:style>
-        <p:txBody>
-          <a:bodyPr rtlCol="0" anchor="ctr"/>
+          <a:bodyPr lIns="115123" tIns="57561" rIns="115123" bIns="57561" rtlCol="0" anchor="ctr"/>
           <a:lstStyle/>
           <a:p>
             <a:pPr algn="ctr"/>
@@ -4289,8 +3965,8 @@
         </p:blipFill>
         <p:spPr>
           <a:xfrm>
-            <a:off x="406831" y="311914"/>
-            <a:ext cx="2896874" cy="1685955"/>
+            <a:off x="526487" y="385932"/>
+            <a:ext cx="3748896" cy="2086034"/>
           </a:xfrm>
           <a:prstGeom prst="rect">
             <a:avLst/>
@@ -4305,8 +3981,8 @@
         </p:nvSpPr>
         <p:spPr>
           <a:xfrm>
-            <a:off x="1627325" y="304873"/>
-            <a:ext cx="903620" cy="403469"/>
+            <a:off x="2105950" y="377220"/>
+            <a:ext cx="1169391" cy="499213"/>
           </a:xfrm>
           <a:prstGeom prst="rect">
             <a:avLst/>
@@ -4331,7 +4007,7 @@
           </a:fontRef>
         </p:style>
         <p:txBody>
-          <a:bodyPr rtlCol="0" anchor="ctr"/>
+          <a:bodyPr lIns="115123" tIns="57561" rIns="115123" bIns="57561" rtlCol="0" anchor="ctr"/>
           <a:lstStyle/>
           <a:p>
             <a:pPr algn="ctr"/>
@@ -4347,8 +4023,8 @@
         </p:nvSpPr>
         <p:spPr>
           <a:xfrm>
-            <a:off x="556538" y="304873"/>
-            <a:ext cx="2773112" cy="1685954"/>
+            <a:off x="720226" y="377220"/>
+            <a:ext cx="3588733" cy="2086032"/>
           </a:xfrm>
           <a:prstGeom prst="rect">
             <a:avLst/>
@@ -4370,7 +4046,7 @@
           </a:fontRef>
         </p:style>
         <p:txBody>
-          <a:bodyPr rtlCol="0" anchor="ctr"/>
+          <a:bodyPr lIns="115123" tIns="57561" rIns="115123" bIns="57561" rtlCol="0" anchor="ctr"/>
           <a:lstStyle/>
           <a:p>
             <a:pPr algn="ctr"/>
@@ -4386,8 +4062,8 @@
         </p:nvSpPr>
         <p:spPr>
           <a:xfrm>
-            <a:off x="205490" y="3156175"/>
-            <a:ext cx="3475221" cy="3016210"/>
+            <a:off x="265929" y="4007180"/>
+            <a:ext cx="4497345" cy="3440233"/>
           </a:xfrm>
           <a:prstGeom prst="rect">
             <a:avLst/>
@@ -4395,127 +4071,117 @@
           <a:noFill/>
         </p:spPr>
         <p:txBody>
-          <a:bodyPr wrap="square" rtlCol="0">
+          <a:bodyPr wrap="square" lIns="115123" tIns="57561" rIns="115123" bIns="57561" rtlCol="0">
             <a:spAutoFit/>
           </a:bodyPr>
           <a:lstStyle/>
           <a:p>
             <a:r>
-              <a:rPr lang="en-US" sz="1000" dirty="0" smtClean="0"/>
-              <a:t>Mob Programming is a way to create hyper-productive fast learning teams. </a:t>
-            </a:r>
-            <a:r>
-              <a:rPr lang="en-US" sz="1000" dirty="0"/>
-              <a:t> </a:t>
-            </a:r>
-            <a:endParaRPr lang="en-US" sz="1000" dirty="0" smtClean="0"/>
-          </a:p>
-          <a:p>
-            <a:r>
-              <a:rPr lang="en-US" sz="1000" dirty="0" smtClean="0"/>
+              <a:rPr lang="en-US" sz="1200" dirty="0"/>
+              <a:t>Mob Programming is a way to create hyper-productive fast learning teams.  </a:t>
+            </a:r>
+          </a:p>
+          <a:p>
+            <a:r>
+              <a:rPr lang="en-US" sz="1200" dirty="0"/>
               <a:t>Some of the benefits include:</a:t>
             </a:r>
           </a:p>
           <a:p>
-            <a:endParaRPr lang="en-US" sz="1000" dirty="0"/>
-          </a:p>
-          <a:p>
-            <a:pPr marL="171450" indent="-171450">
+            <a:endParaRPr lang="en-US" sz="1200" dirty="0"/>
+          </a:p>
+          <a:p>
+            <a:pPr marL="215856" indent="-215856">
               <a:buFontTx/>
               <a:buChar char="•"/>
             </a:pPr>
             <a:r>
-              <a:rPr lang="en-US" sz="1000" dirty="0" smtClean="0"/>
+              <a:rPr lang="en-US" sz="1200" dirty="0"/>
               <a:t>Continuous learning</a:t>
             </a:r>
           </a:p>
           <a:p>
-            <a:pPr marL="171450" indent="-171450">
+            <a:pPr marL="215856" indent="-215856">
               <a:buFontTx/>
               <a:buChar char="•"/>
             </a:pPr>
             <a:r>
-              <a:rPr lang="en-US" sz="1000" dirty="0" smtClean="0"/>
+              <a:rPr lang="en-US" sz="1200" dirty="0"/>
               <a:t>Shared ownership</a:t>
             </a:r>
           </a:p>
           <a:p>
-            <a:pPr marL="171450" indent="-171450">
+            <a:pPr marL="215856" indent="-215856">
               <a:buFontTx/>
               <a:buChar char="•"/>
             </a:pPr>
             <a:r>
-              <a:rPr lang="en-US" sz="1000" dirty="0" smtClean="0"/>
+              <a:rPr lang="en-US" sz="1200" dirty="0"/>
               <a:t>Higher quality</a:t>
             </a:r>
           </a:p>
           <a:p>
-            <a:pPr marL="171450" indent="-171450">
+            <a:pPr marL="215856" indent="-215856">
               <a:buFontTx/>
               <a:buChar char="•"/>
             </a:pPr>
             <a:r>
-              <a:rPr lang="en-US" sz="1000" dirty="0" smtClean="0"/>
+              <a:rPr lang="en-US" sz="1200" dirty="0"/>
               <a:t>Higher communication</a:t>
             </a:r>
           </a:p>
           <a:p>
-            <a:pPr marL="171450" indent="-171450">
+            <a:pPr marL="215856" indent="-215856">
               <a:buFontTx/>
               <a:buChar char="•"/>
             </a:pPr>
             <a:r>
-              <a:rPr lang="en-US" sz="1000" dirty="0" smtClean="0"/>
+              <a:rPr lang="en-US" sz="1200" dirty="0"/>
               <a:t>Problems are discovered &amp; fixed immediately</a:t>
             </a:r>
           </a:p>
           <a:p>
-            <a:pPr marL="171450" indent="-171450">
+            <a:pPr marL="215856" indent="-215856">
               <a:buFontTx/>
               <a:buChar char="•"/>
             </a:pPr>
             <a:r>
-              <a:rPr lang="en-US" sz="1000" dirty="0" smtClean="0"/>
+              <a:rPr lang="en-US" sz="1200" dirty="0"/>
               <a:t>Lower technical debt</a:t>
             </a:r>
           </a:p>
           <a:p>
-            <a:pPr marL="171450" indent="-171450">
+            <a:pPr marL="215856" indent="-215856">
               <a:buFontTx/>
               <a:buChar char="•"/>
             </a:pPr>
             <a:r>
-              <a:rPr lang="en-US" sz="1000" dirty="0" smtClean="0"/>
+              <a:rPr lang="en-US" sz="1200" dirty="0"/>
               <a:t>Less meetings</a:t>
             </a:r>
           </a:p>
           <a:p>
-            <a:pPr marL="171450" indent="-171450">
+            <a:pPr marL="215856" indent="-215856">
               <a:buFontTx/>
               <a:buChar char="•"/>
             </a:pPr>
             <a:r>
-              <a:rPr lang="en-US" sz="1000" dirty="0" smtClean="0"/>
+              <a:rPr lang="en-US" sz="1200" dirty="0"/>
               <a:t>Happier teams</a:t>
             </a:r>
           </a:p>
           <a:p>
-            <a:pPr marL="171450" indent="-171450">
+            <a:pPr marL="215856" indent="-215856">
               <a:buFontTx/>
               <a:buChar char="•"/>
             </a:pPr>
-            <a:endParaRPr lang="en-US" sz="1000" dirty="0"/>
-          </a:p>
-          <a:p>
-            <a:r>
-              <a:rPr lang="en-US" sz="1000" dirty="0"/>
-              <a:t>This book outlines the step-by-step approach to introduce Mob Programming to new teams to avoid common mistakes. It lays the foundation for successful introduction to get your entire team working together, with everybody contributing and learning, and treating each other kindness, consideration and respect</a:t>
-            </a:r>
-            <a:r>
-              <a:rPr lang="en-US" sz="1000" dirty="0" smtClean="0"/>
-              <a:t>.</a:t>
-            </a:r>
-            <a:endParaRPr lang="en-US" dirty="0"/>
+            <a:endParaRPr lang="en-US" sz="1200" dirty="0"/>
+          </a:p>
+          <a:p>
+            <a:r>
+              <a:rPr lang="en-US" sz="1200" dirty="0"/>
+              <a:t>This book outlines the step-by-step approach to introduce Mob Programming to new teams to avoid common mistakes. It lays the foundation for successful introduction to get your entire team working together, with everybody contributing and learning, and treating each other kindness, consideration and respect.</a:t>
+            </a:r>
           </a:p>
         </p:txBody>
       </p:sp>
@@ -4541,8 +4207,8 @@
         </p:blipFill>
         <p:spPr>
           <a:xfrm>
-            <a:off x="1649550" y="341888"/>
-            <a:ext cx="858700" cy="343847"/>
+            <a:off x="2134712" y="423019"/>
+            <a:ext cx="1111259" cy="425442"/>
           </a:xfrm>
           <a:prstGeom prst="rect">
             <a:avLst/>
@@ -4557,8 +4223,8 @@
         </p:nvSpPr>
         <p:spPr>
           <a:xfrm>
-            <a:off x="95436" y="2635187"/>
-            <a:ext cx="3684915" cy="430887"/>
+            <a:off x="123506" y="3260520"/>
+            <a:ext cx="4768714" cy="547133"/>
           </a:xfrm>
           <a:prstGeom prst="rect">
             <a:avLst/>
@@ -4566,7 +4232,7 @@
           <a:noFill/>
         </p:spPr>
         <p:txBody>
-          <a:bodyPr wrap="square" rtlCol="0">
+          <a:bodyPr wrap="square" lIns="115123" tIns="57561" rIns="115123" bIns="57561" rtlCol="0">
             <a:spAutoFit/>
           </a:bodyPr>
           <a:lstStyle/>
@@ -4625,8 +4291,8 @@
         </p:blipFill>
         <p:spPr>
           <a:xfrm>
-            <a:off x="859616" y="2373733"/>
-            <a:ext cx="2166969" cy="467042"/>
+            <a:off x="1112445" y="2937022"/>
+            <a:ext cx="2804313" cy="577871"/>
           </a:xfrm>
           <a:prstGeom prst="rect">
             <a:avLst/>
